--- a/ex_17/Fiori Guideline.pptx
+++ b/ex_17/Fiori Guideline.pptx
@@ -104,6 +104,11 @@
       </a:defRPr>
     </a:lvl9pPr>
   </p:defaultTextStyle>
+  <p:extLst>
+    <p:ext uri="{EFAFB233-063F-42B5-8137-9DF3F51BA10A}">
+      <p15:sldGuideLst xmlns:p15="http://schemas.microsoft.com/office/powerpoint/2012/main"/>
+    </p:ext>
+  </p:extLst>
 </p:presentation>
 </file>
 
@@ -835,7 +840,7 @@
           <a:p>
             <a:fld id="{04C3F6D5-8AD0-48ED-8AE3-8FCD15CF0308}" type="datetimeFigureOut">
               <a:rPr lang="en-US" smtClean="0"/>
-              <a:t>5/28/2024</a:t>
+              <a:t>5/29/2024</a:t>
             </a:fld>
             <a:endParaRPr lang="en-US"/>
           </a:p>
@@ -1033,7 +1038,7 @@
           <a:p>
             <a:fld id="{04C3F6D5-8AD0-48ED-8AE3-8FCD15CF0308}" type="datetimeFigureOut">
               <a:rPr lang="en-US" smtClean="0"/>
-              <a:t>5/28/2024</a:t>
+              <a:t>5/29/2024</a:t>
             </a:fld>
             <a:endParaRPr lang="en-US"/>
           </a:p>
@@ -1241,7 +1246,7 @@
           <a:p>
             <a:fld id="{04C3F6D5-8AD0-48ED-8AE3-8FCD15CF0308}" type="datetimeFigureOut">
               <a:rPr lang="en-US" smtClean="0"/>
-              <a:t>5/28/2024</a:t>
+              <a:t>5/29/2024</a:t>
             </a:fld>
             <a:endParaRPr lang="en-US"/>
           </a:p>
@@ -1439,7 +1444,7 @@
           <a:p>
             <a:fld id="{04C3F6D5-8AD0-48ED-8AE3-8FCD15CF0308}" type="datetimeFigureOut">
               <a:rPr lang="en-US" smtClean="0"/>
-              <a:t>5/28/2024</a:t>
+              <a:t>5/29/2024</a:t>
             </a:fld>
             <a:endParaRPr lang="en-US"/>
           </a:p>
@@ -1714,7 +1719,7 @@
           <a:p>
             <a:fld id="{04C3F6D5-8AD0-48ED-8AE3-8FCD15CF0308}" type="datetimeFigureOut">
               <a:rPr lang="en-US" smtClean="0"/>
-              <a:t>5/28/2024</a:t>
+              <a:t>5/29/2024</a:t>
             </a:fld>
             <a:endParaRPr lang="en-US"/>
           </a:p>
@@ -1979,7 +1984,7 @@
           <a:p>
             <a:fld id="{04C3F6D5-8AD0-48ED-8AE3-8FCD15CF0308}" type="datetimeFigureOut">
               <a:rPr lang="en-US" smtClean="0"/>
-              <a:t>5/28/2024</a:t>
+              <a:t>5/29/2024</a:t>
             </a:fld>
             <a:endParaRPr lang="en-US"/>
           </a:p>
@@ -2391,7 +2396,7 @@
           <a:p>
             <a:fld id="{04C3F6D5-8AD0-48ED-8AE3-8FCD15CF0308}" type="datetimeFigureOut">
               <a:rPr lang="en-US" smtClean="0"/>
-              <a:t>5/28/2024</a:t>
+              <a:t>5/29/2024</a:t>
             </a:fld>
             <a:endParaRPr lang="en-US"/>
           </a:p>
@@ -2532,7 +2537,7 @@
           <a:p>
             <a:fld id="{04C3F6D5-8AD0-48ED-8AE3-8FCD15CF0308}" type="datetimeFigureOut">
               <a:rPr lang="en-US" smtClean="0"/>
-              <a:t>5/28/2024</a:t>
+              <a:t>5/29/2024</a:t>
             </a:fld>
             <a:endParaRPr lang="en-US"/>
           </a:p>
@@ -2645,7 +2650,7 @@
           <a:p>
             <a:fld id="{04C3F6D5-8AD0-48ED-8AE3-8FCD15CF0308}" type="datetimeFigureOut">
               <a:rPr lang="en-US" smtClean="0"/>
-              <a:t>5/28/2024</a:t>
+              <a:t>5/29/2024</a:t>
             </a:fld>
             <a:endParaRPr lang="en-US"/>
           </a:p>
@@ -2956,7 +2961,7 @@
           <a:p>
             <a:fld id="{04C3F6D5-8AD0-48ED-8AE3-8FCD15CF0308}" type="datetimeFigureOut">
               <a:rPr lang="en-US" smtClean="0"/>
-              <a:t>5/28/2024</a:t>
+              <a:t>5/29/2024</a:t>
             </a:fld>
             <a:endParaRPr lang="en-US"/>
           </a:p>
@@ -3244,7 +3249,7 @@
           <a:p>
             <a:fld id="{04C3F6D5-8AD0-48ED-8AE3-8FCD15CF0308}" type="datetimeFigureOut">
               <a:rPr lang="en-US" smtClean="0"/>
-              <a:t>5/28/2024</a:t>
+              <a:t>5/29/2024</a:t>
             </a:fld>
             <a:endParaRPr lang="en-US"/>
           </a:p>
@@ -3485,7 +3490,7 @@
           <a:p>
             <a:fld id="{04C3F6D5-8AD0-48ED-8AE3-8FCD15CF0308}" type="datetimeFigureOut">
               <a:rPr lang="en-US" smtClean="0"/>
-              <a:t>5/28/2024</a:t>
+              <a:t>5/29/2024</a:t>
             </a:fld>
             <a:endParaRPr lang="en-US"/>
           </a:p>
@@ -3960,7 +3965,7 @@
         </p:nvSpPr>
         <p:spPr>
           <a:xfrm>
-            <a:off x="553026" y="2706013"/>
+            <a:off x="556535" y="2488616"/>
             <a:ext cx="2295236" cy="523220"/>
           </a:xfrm>
           <a:prstGeom prst="rect">
@@ -4366,7 +4371,7 @@
         </p:nvSpPr>
         <p:spPr>
           <a:xfrm>
-            <a:off x="2648139" y="2781973"/>
+            <a:off x="2648139" y="2583253"/>
             <a:ext cx="8105684" cy="369332"/>
           </a:xfrm>
           <a:prstGeom prst="rect">
@@ -4402,10 +4407,10 @@
         </p:nvGrpSpPr>
         <p:grpSpPr>
           <a:xfrm>
-            <a:off x="288052" y="4835895"/>
-            <a:ext cx="4387273" cy="1454209"/>
-            <a:chOff x="731400" y="8244421"/>
-            <a:chExt cx="4387273" cy="1454209"/>
+            <a:off x="406979" y="4959732"/>
+            <a:ext cx="4387273" cy="1363059"/>
+            <a:chOff x="833000" y="8244421"/>
+            <a:chExt cx="4387273" cy="1363059"/>
           </a:xfrm>
         </p:grpSpPr>
         <p:sp>
@@ -4504,7 +4509,7 @@
           </p:nvSpPr>
           <p:spPr>
             <a:xfrm>
-              <a:off x="731400" y="9390853"/>
+              <a:off x="833000" y="9299703"/>
               <a:ext cx="4387273" cy="307777"/>
             </a:xfrm>
             <a:prstGeom prst="rect">
@@ -4573,7 +4578,69 @@
         </p:nvSpPr>
         <p:spPr>
           <a:xfrm>
-            <a:off x="3657700" y="3463662"/>
+            <a:off x="5001960" y="3282083"/>
+            <a:ext cx="2424546" cy="523220"/>
+          </a:xfrm>
+          <a:prstGeom prst="rect">
+            <a:avLst/>
+          </a:prstGeom>
+          <a:noFill/>
+        </p:spPr>
+        <p:txBody>
+          <a:bodyPr wrap="square" rtlCol="0">
+            <a:spAutoFit/>
+          </a:bodyPr>
+          <a:lstStyle/>
+          <a:p>
+            <a:r>
+              <a:rPr lang="en-IN" sz="1400" i="1" dirty="0">
+                <a:highlight>
+                  <a:srgbClr val="FFFF00"/>
+                </a:highlight>
+              </a:rPr>
+              <a:t>New starting point for </a:t>
+            </a:r>
+          </a:p>
+          <a:p>
+            <a:r>
+              <a:rPr lang="en-IN" sz="1400" i="1" dirty="0">
+                <a:highlight>
+                  <a:srgbClr val="FFFF00"/>
+                </a:highlight>
+              </a:rPr>
+              <a:t>the app is</a:t>
+            </a:r>
+            <a:r>
+              <a:rPr lang="en-IN" sz="1400" b="1" i="1" dirty="0">
+                <a:highlight>
+                  <a:srgbClr val="FFFF00"/>
+                </a:highlight>
+              </a:rPr>
+              <a:t> App.view.xml</a:t>
+            </a:r>
+            <a:endParaRPr lang="en-US" sz="1400" i="1" dirty="0">
+              <a:highlight>
+                <a:srgbClr val="FFFF00"/>
+              </a:highlight>
+            </a:endParaRPr>
+          </a:p>
+        </p:txBody>
+      </p:sp>
+      <p:sp>
+        <p:nvSpPr>
+          <p:cNvPr id="59" name="TextBox 58">
+            <a:extLst>
+              <a:ext uri="{FF2B5EF4-FFF2-40B4-BE49-F238E27FC236}">
+                <a16:creationId xmlns:a16="http://schemas.microsoft.com/office/drawing/2014/main" id="{D7C7A562-F3E6-48F9-AD44-F8FA04B2A809}"/>
+              </a:ext>
+            </a:extLst>
+          </p:cNvPr>
+          <p:cNvSpPr txBox="1"/>
+          <p:nvPr/>
+        </p:nvSpPr>
+        <p:spPr>
+          <a:xfrm>
+            <a:off x="7485638" y="3275112"/>
             <a:ext cx="4387273" cy="307777"/>
           </a:xfrm>
           <a:prstGeom prst="rect">
@@ -4593,15 +4660,7 @@
                   <a:srgbClr val="FFFF00"/>
                 </a:highlight>
               </a:rPr>
-              <a:t>New starting point for the app is</a:t>
-            </a:r>
-            <a:r>
-              <a:rPr lang="en-IN" sz="1400" b="1" i="1" dirty="0">
-                <a:highlight>
-                  <a:srgbClr val="FFFF00"/>
-                </a:highlight>
-              </a:rPr>
-              <a:t> App.view.xml</a:t>
+              <a:t>These Views will be added inside the container control</a:t>
             </a:r>
             <a:endParaRPr lang="en-US" sz="1400" i="1" dirty="0">
               <a:highlight>
@@ -4613,10 +4672,10 @@
       </p:sp>
       <p:sp>
         <p:nvSpPr>
-          <p:cNvPr id="59" name="TextBox 58">
-            <a:extLst>
-              <a:ext uri="{FF2B5EF4-FFF2-40B4-BE49-F238E27FC236}">
-                <a16:creationId xmlns:a16="http://schemas.microsoft.com/office/drawing/2014/main" id="{D7C7A562-F3E6-48F9-AD44-F8FA04B2A809}"/>
+          <p:cNvPr id="80" name="TextBox 79">
+            <a:extLst>
+              <a:ext uri="{FF2B5EF4-FFF2-40B4-BE49-F238E27FC236}">
+                <a16:creationId xmlns:a16="http://schemas.microsoft.com/office/drawing/2014/main" id="{BBA25E8D-544A-C92C-8133-C7E921362BB2}"/>
               </a:ext>
             </a:extLst>
           </p:cNvPr>
@@ -4625,7 +4684,7 @@
         </p:nvSpPr>
         <p:spPr>
           <a:xfrm>
-            <a:off x="7565737" y="3454366"/>
+            <a:off x="7253436" y="5861126"/>
             <a:ext cx="4387273" cy="307777"/>
           </a:xfrm>
           <a:prstGeom prst="rect">
@@ -4640,12 +4699,12 @@
           <a:lstStyle/>
           <a:p>
             <a:r>
-              <a:rPr lang="en-IN" sz="1400" i="1" dirty="0">
+              <a:rPr lang="en-IN" sz="1400" b="1" i="1" dirty="0">
                 <a:highlight>
                   <a:srgbClr val="FFFF00"/>
                 </a:highlight>
               </a:rPr>
-              <a:t>These Views will be added inside the container control</a:t>
+              <a:t>App.view.xml has its own app controller</a:t>
             </a:r>
             <a:endParaRPr lang="en-US" sz="1400" i="1" dirty="0">
               <a:highlight>
@@ -4657,10 +4716,10 @@
       </p:sp>
       <p:grpSp>
         <p:nvGrpSpPr>
-          <p:cNvPr id="79" name="Group 78">
-            <a:extLst>
-              <a:ext uri="{FF2B5EF4-FFF2-40B4-BE49-F238E27FC236}">
-                <a16:creationId xmlns:a16="http://schemas.microsoft.com/office/drawing/2014/main" id="{99A17F9F-BC66-1E6B-E836-AF4538A349D4}"/>
+          <p:cNvPr id="12" name="Group 11">
+            <a:extLst>
+              <a:ext uri="{FF2B5EF4-FFF2-40B4-BE49-F238E27FC236}">
+                <a16:creationId xmlns:a16="http://schemas.microsoft.com/office/drawing/2014/main" id="{D179D80D-2CDE-ABC8-AD52-6D5AB0A938E5}"/>
               </a:ext>
             </a:extLst>
           </p:cNvPr>
@@ -4669,89 +4728,18 @@
         </p:nvGrpSpPr>
         <p:grpSpPr>
           <a:xfrm>
-            <a:off x="999253" y="3736140"/>
-            <a:ext cx="10641456" cy="2761500"/>
-            <a:chOff x="659244" y="3682602"/>
-            <a:chExt cx="10641456" cy="2761500"/>
+            <a:off x="999253" y="3429000"/>
+            <a:ext cx="10641456" cy="2894961"/>
+            <a:chOff x="999253" y="3246063"/>
+            <a:chExt cx="10641456" cy="2894961"/>
           </a:xfrm>
         </p:grpSpPr>
-        <p:sp>
-          <p:nvSpPr>
-            <p:cNvPr id="21" name="Scroll: Vertical 20">
+        <p:grpSp>
+          <p:nvGrpSpPr>
+            <p:cNvPr id="79" name="Group 78">
               <a:extLst>
                 <a:ext uri="{FF2B5EF4-FFF2-40B4-BE49-F238E27FC236}">
-                  <a16:creationId xmlns:a16="http://schemas.microsoft.com/office/drawing/2014/main" id="{575AAA3D-914E-8747-5140-CB3DB7E19250}"/>
-                </a:ext>
-              </a:extLst>
-            </p:cNvPr>
-            <p:cNvSpPr/>
-            <p:nvPr/>
-          </p:nvSpPr>
-          <p:spPr>
-            <a:xfrm>
-              <a:off x="659244" y="3682602"/>
-              <a:ext cx="849746" cy="969819"/>
-            </a:xfrm>
-            <a:prstGeom prst="verticalScroll">
-              <a:avLst/>
-            </a:prstGeom>
-            <a:solidFill>
-              <a:schemeClr val="accent1">
-                <a:lumMod val="40000"/>
-                <a:lumOff val="60000"/>
-              </a:schemeClr>
-            </a:solidFill>
-            <a:ln>
-              <a:noFill/>
-            </a:ln>
-          </p:spPr>
-          <p:style>
-            <a:lnRef idx="0">
-              <a:scrgbClr r="0" g="0" b="0"/>
-            </a:lnRef>
-            <a:fillRef idx="0">
-              <a:scrgbClr r="0" g="0" b="0"/>
-            </a:fillRef>
-            <a:effectRef idx="0">
-              <a:scrgbClr r="0" g="0" b="0"/>
-            </a:effectRef>
-            <a:fontRef idx="minor">
-              <a:schemeClr val="lt1"/>
-            </a:fontRef>
-          </p:style>
-          <p:txBody>
-            <a:bodyPr rtlCol="0" anchor="ctr"/>
-            <a:lstStyle/>
-            <a:p>
-              <a:pPr algn="ctr"/>
-              <a:r>
-                <a:rPr lang="en-IN" sz="1400" b="1" dirty="0">
-                  <a:solidFill>
-                    <a:schemeClr val="tx1">
-                      <a:lumMod val="95000"/>
-                      <a:lumOff val="5000"/>
-                    </a:schemeClr>
-                  </a:solidFill>
-                </a:rPr>
-                <a:t>index</a:t>
-              </a:r>
-              <a:endParaRPr lang="en-US" sz="1400" b="1" dirty="0">
-                <a:solidFill>
-                  <a:schemeClr val="tx1">
-                    <a:lumMod val="95000"/>
-                    <a:lumOff val="5000"/>
-                  </a:schemeClr>
-                </a:solidFill>
-              </a:endParaRPr>
-            </a:p>
-          </p:txBody>
-        </p:sp>
-        <p:grpSp>
-          <p:nvGrpSpPr>
-            <p:cNvPr id="65" name="Group 64">
-              <a:extLst>
-                <a:ext uri="{FF2B5EF4-FFF2-40B4-BE49-F238E27FC236}">
-                  <a16:creationId xmlns:a16="http://schemas.microsoft.com/office/drawing/2014/main" id="{C8C01E17-9082-21DF-F6E8-569ACF6D3BC1}"/>
+                  <a16:creationId xmlns:a16="http://schemas.microsoft.com/office/drawing/2014/main" id="{99A17F9F-BC66-1E6B-E836-AF4538A349D4}"/>
                 </a:ext>
               </a:extLst>
             </p:cNvPr>
@@ -4760,18 +4748,18 @@
           </p:nvGrpSpPr>
           <p:grpSpPr>
             <a:xfrm>
-              <a:off x="1508989" y="4033226"/>
-              <a:ext cx="5399809" cy="2410876"/>
-              <a:chOff x="1508989" y="4033226"/>
-              <a:chExt cx="5399809" cy="2410876"/>
+              <a:off x="999253" y="3603369"/>
+              <a:ext cx="10641456" cy="2537655"/>
+              <a:chOff x="659244" y="3549831"/>
+              <a:chExt cx="10641456" cy="2537655"/>
             </a:xfrm>
           </p:grpSpPr>
           <p:sp>
             <p:nvSpPr>
-              <p:cNvPr id="22" name="Rectangle: Rounded Corners 21">
+              <p:cNvPr id="21" name="Scroll: Vertical 20">
                 <a:extLst>
                   <a:ext uri="{FF2B5EF4-FFF2-40B4-BE49-F238E27FC236}">
-                    <a16:creationId xmlns:a16="http://schemas.microsoft.com/office/drawing/2014/main" id="{2351618C-169A-2685-F44A-11635E948F18}"/>
+                    <a16:creationId xmlns:a16="http://schemas.microsoft.com/office/drawing/2014/main" id="{575AAA3D-914E-8747-5140-CB3DB7E19250}"/>
                   </a:ext>
                 </a:extLst>
               </p:cNvPr>
@@ -4780,606 +4768,14 @@
             </p:nvSpPr>
             <p:spPr>
               <a:xfrm>
-                <a:off x="4603171" y="4033226"/>
-                <a:ext cx="2305627" cy="1325127"/>
+                <a:off x="659244" y="3682602"/>
+                <a:ext cx="849746" cy="969819"/>
               </a:xfrm>
-              <a:prstGeom prst="roundRect">
+              <a:prstGeom prst="verticalScroll">
                 <a:avLst/>
               </a:prstGeom>
               <a:solidFill>
-                <a:srgbClr val="FF0000"/>
-              </a:solidFill>
-              <a:ln>
-                <a:noFill/>
-              </a:ln>
-            </p:spPr>
-            <p:style>
-              <a:lnRef idx="0">
-                <a:scrgbClr r="0" g="0" b="0"/>
-              </a:lnRef>
-              <a:fillRef idx="0">
-                <a:scrgbClr r="0" g="0" b="0"/>
-              </a:fillRef>
-              <a:effectRef idx="0">
-                <a:scrgbClr r="0" g="0" b="0"/>
-              </a:effectRef>
-              <a:fontRef idx="minor">
-                <a:schemeClr val="lt1"/>
-              </a:fontRef>
-            </p:style>
-            <p:txBody>
-              <a:bodyPr rtlCol="0" anchor="ctr"/>
-              <a:lstStyle/>
-              <a:p>
-                <a:pPr algn="ctr"/>
-                <a:r>
-                  <a:rPr lang="en-IN" sz="1400" b="1" dirty="0">
-                    <a:solidFill>
-                      <a:schemeClr val="bg1"/>
-                    </a:solidFill>
-                  </a:rPr>
-                  <a:t>App.view.xml</a:t>
-                </a:r>
-              </a:p>
-              <a:p>
-                <a:pPr algn="ctr"/>
-                <a:endParaRPr lang="en-IN" sz="1400" b="1" dirty="0">
-                  <a:solidFill>
-                    <a:schemeClr val="bg1"/>
-                  </a:solidFill>
-                </a:endParaRPr>
-              </a:p>
-              <a:p>
-                <a:pPr algn="ctr"/>
-                <a:endParaRPr lang="en-IN" sz="1400" b="1" dirty="0">
-                  <a:solidFill>
-                    <a:schemeClr val="bg1"/>
-                  </a:solidFill>
-                </a:endParaRPr>
-              </a:p>
-              <a:p>
-                <a:pPr algn="ctr"/>
-                <a:endParaRPr lang="en-IN" sz="1400" b="1" dirty="0">
-                  <a:solidFill>
-                    <a:schemeClr val="bg1"/>
-                  </a:solidFill>
-                </a:endParaRPr>
-              </a:p>
-              <a:p>
-                <a:pPr algn="ctr"/>
-                <a:endParaRPr lang="en-US" sz="1400" b="1" dirty="0">
-                  <a:solidFill>
-                    <a:schemeClr val="bg1"/>
-                  </a:solidFill>
-                </a:endParaRPr>
-              </a:p>
-            </p:txBody>
-          </p:sp>
-          <p:sp>
-            <p:nvSpPr>
-              <p:cNvPr id="24" name="Arrow: Left 23">
-                <a:extLst>
-                  <a:ext uri="{FF2B5EF4-FFF2-40B4-BE49-F238E27FC236}">
-                    <a16:creationId xmlns:a16="http://schemas.microsoft.com/office/drawing/2014/main" id="{15D4BE0B-AC56-1F9A-8A4A-38E03ADF5CEE}"/>
-                  </a:ext>
-                </a:extLst>
-              </p:cNvPr>
-              <p:cNvSpPr/>
-              <p:nvPr/>
-            </p:nvSpPr>
-            <p:spPr>
-              <a:xfrm rot="10800000">
-                <a:off x="1508989" y="4167511"/>
-                <a:ext cx="632691" cy="235527"/>
-              </a:xfrm>
-              <a:prstGeom prst="leftArrow">
-                <a:avLst/>
-              </a:prstGeom>
-              <a:solidFill>
-                <a:schemeClr val="accent4"/>
-              </a:solidFill>
-              <a:ln>
-                <a:noFill/>
-              </a:ln>
-            </p:spPr>
-            <p:style>
-              <a:lnRef idx="0">
-                <a:scrgbClr r="0" g="0" b="0"/>
-              </a:lnRef>
-              <a:fillRef idx="0">
-                <a:scrgbClr r="0" g="0" b="0"/>
-              </a:fillRef>
-              <a:effectRef idx="0">
-                <a:scrgbClr r="0" g="0" b="0"/>
-              </a:effectRef>
-              <a:fontRef idx="minor">
-                <a:schemeClr val="lt1"/>
-              </a:fontRef>
-            </p:style>
-            <p:txBody>
-              <a:bodyPr rtlCol="0" anchor="ctr"/>
-              <a:lstStyle/>
-              <a:p>
-                <a:pPr algn="ctr"/>
-                <a:endParaRPr lang="en-US"/>
-              </a:p>
-            </p:txBody>
-          </p:sp>
-          <p:sp>
-            <p:nvSpPr>
-              <p:cNvPr id="25" name="Arrow: Left 24">
-                <a:extLst>
-                  <a:ext uri="{FF2B5EF4-FFF2-40B4-BE49-F238E27FC236}">
-                    <a16:creationId xmlns:a16="http://schemas.microsoft.com/office/drawing/2014/main" id="{BAAB109D-AD99-A2D2-3259-339200ED21E0}"/>
-                  </a:ext>
-                </a:extLst>
-              </p:cNvPr>
-              <p:cNvSpPr/>
-              <p:nvPr/>
-            </p:nvSpPr>
-            <p:spPr>
-              <a:xfrm rot="10800000">
-                <a:off x="3868881" y="4167512"/>
-                <a:ext cx="632691" cy="235527"/>
-              </a:xfrm>
-              <a:prstGeom prst="leftArrow">
-                <a:avLst/>
-              </a:prstGeom>
-              <a:solidFill>
-                <a:schemeClr val="accent4"/>
-              </a:solidFill>
-              <a:ln>
-                <a:noFill/>
-              </a:ln>
-            </p:spPr>
-            <p:style>
-              <a:lnRef idx="0">
-                <a:scrgbClr r="0" g="0" b="0"/>
-              </a:lnRef>
-              <a:fillRef idx="0">
-                <a:scrgbClr r="0" g="0" b="0"/>
-              </a:fillRef>
-              <a:effectRef idx="0">
-                <a:scrgbClr r="0" g="0" b="0"/>
-              </a:effectRef>
-              <a:fontRef idx="minor">
-                <a:schemeClr val="lt1"/>
-              </a:fontRef>
-            </p:style>
-            <p:txBody>
-              <a:bodyPr rtlCol="0" anchor="ctr"/>
-              <a:lstStyle/>
-              <a:p>
-                <a:pPr algn="ctr"/>
-                <a:endParaRPr lang="en-US"/>
-              </a:p>
-            </p:txBody>
-          </p:sp>
-          <p:sp>
-            <p:nvSpPr>
-              <p:cNvPr id="27" name="Rectangle: Rounded Corners 26">
-                <a:extLst>
-                  <a:ext uri="{FF2B5EF4-FFF2-40B4-BE49-F238E27FC236}">
-                    <a16:creationId xmlns:a16="http://schemas.microsoft.com/office/drawing/2014/main" id="{1EB28C8B-0C36-1710-9D90-F0826C4CECBC}"/>
-                  </a:ext>
-                </a:extLst>
-              </p:cNvPr>
-              <p:cNvSpPr/>
-              <p:nvPr/>
-            </p:nvSpPr>
-            <p:spPr>
-              <a:xfrm>
-                <a:off x="2243280" y="4046592"/>
-                <a:ext cx="1524000" cy="471054"/>
-              </a:xfrm>
-              <a:prstGeom prst="roundRect">
-                <a:avLst/>
-              </a:prstGeom>
-              <a:solidFill>
-                <a:srgbClr val="FFC000"/>
-              </a:solidFill>
-              <a:ln>
-                <a:noFill/>
-              </a:ln>
-            </p:spPr>
-            <p:style>
-              <a:lnRef idx="0">
-                <a:scrgbClr r="0" g="0" b="0"/>
-              </a:lnRef>
-              <a:fillRef idx="0">
-                <a:scrgbClr r="0" g="0" b="0"/>
-              </a:fillRef>
-              <a:effectRef idx="0">
-                <a:scrgbClr r="0" g="0" b="0"/>
-              </a:effectRef>
-              <a:fontRef idx="minor">
-                <a:schemeClr val="lt1"/>
-              </a:fontRef>
-            </p:style>
-            <p:txBody>
-              <a:bodyPr rtlCol="0" anchor="ctr"/>
-              <a:lstStyle/>
-              <a:p>
-                <a:pPr algn="ctr"/>
-                <a:r>
-                  <a:rPr lang="en-IN" sz="1400" b="1" dirty="0">
-                    <a:solidFill>
-                      <a:schemeClr val="tx1">
-                        <a:lumMod val="95000"/>
-                        <a:lumOff val="5000"/>
-                      </a:schemeClr>
-                    </a:solidFill>
-                  </a:rPr>
-                  <a:t>Component.js</a:t>
-                </a:r>
-                <a:endParaRPr lang="en-US" sz="1400" b="1" dirty="0">
-                  <a:solidFill>
-                    <a:schemeClr val="tx1">
-                      <a:lumMod val="95000"/>
-                      <a:lumOff val="5000"/>
-                    </a:schemeClr>
-                  </a:solidFill>
-                </a:endParaRPr>
-              </a:p>
-            </p:txBody>
-          </p:sp>
-          <p:sp>
-            <p:nvSpPr>
-              <p:cNvPr id="28" name="Rectangle: Rounded Corners 27">
-                <a:extLst>
-                  <a:ext uri="{FF2B5EF4-FFF2-40B4-BE49-F238E27FC236}">
-                    <a16:creationId xmlns:a16="http://schemas.microsoft.com/office/drawing/2014/main" id="{52D7E776-0D24-9E32-2FFD-338C481CC134}"/>
-                  </a:ext>
-                </a:extLst>
-              </p:cNvPr>
-              <p:cNvSpPr/>
-              <p:nvPr/>
-            </p:nvSpPr>
-            <p:spPr>
-              <a:xfrm>
-                <a:off x="2285999" y="4979523"/>
-                <a:ext cx="1524000" cy="471054"/>
-              </a:xfrm>
-              <a:prstGeom prst="roundRect">
-                <a:avLst/>
-              </a:prstGeom>
-              <a:solidFill>
-                <a:srgbClr val="12EE27"/>
-              </a:solidFill>
-              <a:ln>
-                <a:noFill/>
-              </a:ln>
-            </p:spPr>
-            <p:style>
-              <a:lnRef idx="0">
-                <a:scrgbClr r="0" g="0" b="0"/>
-              </a:lnRef>
-              <a:fillRef idx="0">
-                <a:scrgbClr r="0" g="0" b="0"/>
-              </a:fillRef>
-              <a:effectRef idx="0">
-                <a:scrgbClr r="0" g="0" b="0"/>
-              </a:effectRef>
-              <a:fontRef idx="minor">
-                <a:schemeClr val="lt1"/>
-              </a:fontRef>
-            </p:style>
-            <p:txBody>
-              <a:bodyPr rtlCol="0" anchor="ctr"/>
-              <a:lstStyle/>
-              <a:p>
-                <a:pPr algn="ctr"/>
-                <a:r>
-                  <a:rPr lang="en-IN" sz="1400" b="1" dirty="0" err="1">
-                    <a:solidFill>
-                      <a:schemeClr val="tx1">
-                        <a:lumMod val="95000"/>
-                        <a:lumOff val="5000"/>
-                      </a:schemeClr>
-                    </a:solidFill>
-                  </a:rPr>
-                  <a:t>manifest.json</a:t>
-                </a:r>
-                <a:endParaRPr lang="en-US" sz="1400" b="1" dirty="0">
-                  <a:solidFill>
-                    <a:schemeClr val="tx1">
-                      <a:lumMod val="95000"/>
-                      <a:lumOff val="5000"/>
-                    </a:schemeClr>
-                  </a:solidFill>
-                </a:endParaRPr>
-              </a:p>
-            </p:txBody>
-          </p:sp>
-          <p:sp>
-            <p:nvSpPr>
-              <p:cNvPr id="31" name="Arrow: Up-Down 30">
-                <a:extLst>
-                  <a:ext uri="{FF2B5EF4-FFF2-40B4-BE49-F238E27FC236}">
-                    <a16:creationId xmlns:a16="http://schemas.microsoft.com/office/drawing/2014/main" id="{688A20ED-C7C0-A018-7F6E-54E82608E0CA}"/>
-                  </a:ext>
-                </a:extLst>
-              </p:cNvPr>
-              <p:cNvSpPr/>
-              <p:nvPr/>
-            </p:nvSpPr>
-            <p:spPr>
-              <a:xfrm>
-                <a:off x="2848262" y="4457701"/>
-                <a:ext cx="314036" cy="576484"/>
-              </a:xfrm>
-              <a:prstGeom prst="upDownArrow">
-                <a:avLst/>
-              </a:prstGeom>
-              <a:solidFill>
-                <a:srgbClr val="00B0F0"/>
-              </a:solidFill>
-              <a:ln>
-                <a:noFill/>
-              </a:ln>
-            </p:spPr>
-            <p:style>
-              <a:lnRef idx="2">
                 <a:schemeClr val="accent1">
-                  <a:shade val="15000"/>
-                </a:schemeClr>
-              </a:lnRef>
-              <a:fillRef idx="1">
-                <a:schemeClr val="accent1"/>
-              </a:fillRef>
-              <a:effectRef idx="0">
-                <a:schemeClr val="accent1"/>
-              </a:effectRef>
-              <a:fontRef idx="minor">
-                <a:schemeClr val="lt1"/>
-              </a:fontRef>
-            </p:style>
-            <p:txBody>
-              <a:bodyPr rtlCol="0" anchor="ctr"/>
-              <a:lstStyle/>
-              <a:p>
-                <a:pPr algn="ctr"/>
-                <a:endParaRPr lang="en-US"/>
-              </a:p>
-            </p:txBody>
-          </p:sp>
-          <p:sp>
-            <p:nvSpPr>
-              <p:cNvPr id="36" name="Rectangle: Single Corner Snipped 35">
-                <a:extLst>
-                  <a:ext uri="{FF2B5EF4-FFF2-40B4-BE49-F238E27FC236}">
-                    <a16:creationId xmlns:a16="http://schemas.microsoft.com/office/drawing/2014/main" id="{B6F4539F-6EA5-A01D-4073-DC4E25D4A052}"/>
-                  </a:ext>
-                </a:extLst>
-              </p:cNvPr>
-              <p:cNvSpPr/>
-              <p:nvPr/>
-            </p:nvSpPr>
-            <p:spPr>
-              <a:xfrm>
-                <a:off x="4895272" y="4457701"/>
-                <a:ext cx="1741054" cy="724615"/>
-              </a:xfrm>
-              <a:prstGeom prst="snip1Rect">
-                <a:avLst/>
-              </a:prstGeom>
-              <a:solidFill>
-                <a:srgbClr val="FFFF00"/>
-              </a:solidFill>
-              <a:ln>
-                <a:noFill/>
-              </a:ln>
-            </p:spPr>
-            <p:style>
-              <a:lnRef idx="2">
-                <a:schemeClr val="accent1">
-                  <a:shade val="15000"/>
-                </a:schemeClr>
-              </a:lnRef>
-              <a:fillRef idx="1">
-                <a:schemeClr val="accent1"/>
-              </a:fillRef>
-              <a:effectRef idx="0">
-                <a:schemeClr val="accent1"/>
-              </a:effectRef>
-              <a:fontRef idx="minor">
-                <a:schemeClr val="lt1"/>
-              </a:fontRef>
-            </p:style>
-            <p:txBody>
-              <a:bodyPr rtlCol="0" anchor="ctr"/>
-              <a:lstStyle/>
-              <a:p>
-                <a:pPr algn="ctr"/>
-                <a:r>
-                  <a:rPr lang="en-IN" sz="1400" b="1" dirty="0">
-                    <a:solidFill>
-                      <a:schemeClr val="tx1"/>
-                    </a:solidFill>
-                  </a:rPr>
-                  <a:t>Container Control</a:t>
-                </a:r>
-                <a:endParaRPr lang="en-US" sz="1400" b="1" dirty="0">
-                  <a:solidFill>
-                    <a:schemeClr val="tx1"/>
-                  </a:solidFill>
-                </a:endParaRPr>
-              </a:p>
-            </p:txBody>
-          </p:sp>
-          <p:grpSp>
-            <p:nvGrpSpPr>
-              <p:cNvPr id="64" name="Group 63">
-                <a:extLst>
-                  <a:ext uri="{FF2B5EF4-FFF2-40B4-BE49-F238E27FC236}">
-                    <a16:creationId xmlns:a16="http://schemas.microsoft.com/office/drawing/2014/main" id="{5C39F65B-F7CF-E82F-3054-C49B9B6657A0}"/>
-                  </a:ext>
-                </a:extLst>
-              </p:cNvPr>
-              <p:cNvGrpSpPr/>
-              <p:nvPr/>
-            </p:nvGrpSpPr>
-            <p:grpSpPr>
-              <a:xfrm>
-                <a:off x="4903989" y="5358353"/>
-                <a:ext cx="1723619" cy="1085749"/>
-                <a:chOff x="4903989" y="5358353"/>
-                <a:chExt cx="1723619" cy="1085749"/>
-              </a:xfrm>
-            </p:grpSpPr>
-            <p:cxnSp>
-              <p:nvCxnSpPr>
-                <p:cNvPr id="62" name="Straight Arrow Connector 61">
-                  <a:extLst>
-                    <a:ext uri="{FF2B5EF4-FFF2-40B4-BE49-F238E27FC236}">
-                      <a16:creationId xmlns:a16="http://schemas.microsoft.com/office/drawing/2014/main" id="{11EEEAA1-B328-6A87-D9AA-95A1F7C22AD3}"/>
-                    </a:ext>
-                  </a:extLst>
-                </p:cNvPr>
-                <p:cNvCxnSpPr>
-                  <a:stCxn id="22" idx="2"/>
-                </p:cNvCxnSpPr>
-                <p:nvPr/>
-              </p:nvCxnSpPr>
-              <p:spPr>
-                <a:xfrm flipH="1">
-                  <a:off x="5755984" y="5358353"/>
-                  <a:ext cx="1" cy="505119"/>
-                </a:xfrm>
-                <a:prstGeom prst="straightConnector1">
-                  <a:avLst/>
-                </a:prstGeom>
-                <a:ln>
-                  <a:headEnd type="triangle"/>
-                  <a:tailEnd type="triangle"/>
-                </a:ln>
-              </p:spPr>
-              <p:style>
-                <a:lnRef idx="2">
-                  <a:schemeClr val="accent1"/>
-                </a:lnRef>
-                <a:fillRef idx="0">
-                  <a:schemeClr val="accent1"/>
-                </a:fillRef>
-                <a:effectRef idx="1">
-                  <a:schemeClr val="accent1"/>
-                </a:effectRef>
-                <a:fontRef idx="minor">
-                  <a:schemeClr val="tx1"/>
-                </a:fontRef>
-              </p:style>
-            </p:cxnSp>
-            <p:sp>
-              <p:nvSpPr>
-                <p:cNvPr id="63" name="Rectangle: Rounded Corners 62">
-                  <a:extLst>
-                    <a:ext uri="{FF2B5EF4-FFF2-40B4-BE49-F238E27FC236}">
-                      <a16:creationId xmlns:a16="http://schemas.microsoft.com/office/drawing/2014/main" id="{A0267DF4-414E-2960-3A80-5B18C023848A}"/>
-                    </a:ext>
-                  </a:extLst>
-                </p:cNvPr>
-                <p:cNvSpPr/>
-                <p:nvPr/>
-              </p:nvSpPr>
-              <p:spPr>
-                <a:xfrm>
-                  <a:off x="4903989" y="5840787"/>
-                  <a:ext cx="1723619" cy="603315"/>
-                </a:xfrm>
-                <a:prstGeom prst="roundRect">
-                  <a:avLst/>
-                </a:prstGeom>
-                <a:solidFill>
-                  <a:schemeClr val="accent5">
-                    <a:lumMod val="40000"/>
-                    <a:lumOff val="60000"/>
-                  </a:schemeClr>
-                </a:solidFill>
-                <a:ln>
-                  <a:noFill/>
-                </a:ln>
-              </p:spPr>
-              <p:style>
-                <a:lnRef idx="2">
-                  <a:schemeClr val="accent1">
-                    <a:shade val="15000"/>
-                  </a:schemeClr>
-                </a:lnRef>
-                <a:fillRef idx="1">
-                  <a:schemeClr val="accent1"/>
-                </a:fillRef>
-                <a:effectRef idx="0">
-                  <a:schemeClr val="accent1"/>
-                </a:effectRef>
-                <a:fontRef idx="minor">
-                  <a:schemeClr val="lt1"/>
-                </a:fontRef>
-              </p:style>
-              <p:txBody>
-                <a:bodyPr rtlCol="0" anchor="ctr"/>
-                <a:lstStyle/>
-                <a:p>
-                  <a:pPr algn="ctr"/>
-                  <a:r>
-                    <a:rPr lang="en-IN" sz="1600" b="1" dirty="0">
-                      <a:solidFill>
-                        <a:schemeClr val="tx1"/>
-                      </a:solidFill>
-                    </a:rPr>
-                    <a:t>App controller</a:t>
-                  </a:r>
-                  <a:endParaRPr lang="en-US" sz="1600" b="1" dirty="0">
-                    <a:solidFill>
-                      <a:schemeClr val="tx1"/>
-                    </a:solidFill>
-                  </a:endParaRPr>
-                </a:p>
-              </p:txBody>
-            </p:sp>
-          </p:grpSp>
-        </p:grpSp>
-        <p:grpSp>
-          <p:nvGrpSpPr>
-            <p:cNvPr id="66" name="Group 65">
-              <a:extLst>
-                <a:ext uri="{FF2B5EF4-FFF2-40B4-BE49-F238E27FC236}">
-                  <a16:creationId xmlns:a16="http://schemas.microsoft.com/office/drawing/2014/main" id="{005C3642-ED83-4DE0-7D72-BC09B21BE864}"/>
-                </a:ext>
-              </a:extLst>
-            </p:cNvPr>
-            <p:cNvGrpSpPr/>
-            <p:nvPr/>
-          </p:nvGrpSpPr>
-          <p:grpSpPr>
-            <a:xfrm>
-              <a:off x="6470649" y="3906447"/>
-              <a:ext cx="4830051" cy="1710118"/>
-              <a:chOff x="6415232" y="3726028"/>
-              <a:chExt cx="4830051" cy="1710118"/>
-            </a:xfrm>
-          </p:grpSpPr>
-          <p:sp>
-            <p:nvSpPr>
-              <p:cNvPr id="67" name="Rectangle: Rounded Corners 66">
-                <a:extLst>
-                  <a:ext uri="{FF2B5EF4-FFF2-40B4-BE49-F238E27FC236}">
-                    <a16:creationId xmlns:a16="http://schemas.microsoft.com/office/drawing/2014/main" id="{571F8018-8E6A-5E72-80E7-9519F24C97AC}"/>
-                  </a:ext>
-                </a:extLst>
-              </p:cNvPr>
-              <p:cNvSpPr/>
-              <p:nvPr/>
-            </p:nvSpPr>
-            <p:spPr>
-              <a:xfrm>
-                <a:off x="9721283" y="3726028"/>
-                <a:ext cx="1524000" cy="471054"/>
-              </a:xfrm>
-              <a:prstGeom prst="roundRect">
-                <a:avLst/>
-              </a:prstGeom>
-              <a:solidFill>
-                <a:schemeClr val="accent5">
                   <a:lumMod val="40000"/>
                   <a:lumOff val="60000"/>
                 </a:schemeClr>
@@ -5416,70 +4812,7 @@
                       </a:schemeClr>
                     </a:solidFill>
                   </a:rPr>
-                  <a:t>Controller 1</a:t>
-                </a:r>
-              </a:p>
-            </p:txBody>
-          </p:sp>
-          <p:sp>
-            <p:nvSpPr>
-              <p:cNvPr id="68" name="Rectangle: Rounded Corners 67">
-                <a:extLst>
-                  <a:ext uri="{FF2B5EF4-FFF2-40B4-BE49-F238E27FC236}">
-                    <a16:creationId xmlns:a16="http://schemas.microsoft.com/office/drawing/2014/main" id="{EC819172-98EF-9A14-A539-8728778FD2EA}"/>
-                  </a:ext>
-                </a:extLst>
-              </p:cNvPr>
-              <p:cNvSpPr/>
-              <p:nvPr/>
-            </p:nvSpPr>
-            <p:spPr>
-              <a:xfrm>
-                <a:off x="7510320" y="3728213"/>
-                <a:ext cx="1524000" cy="471054"/>
-              </a:xfrm>
-              <a:prstGeom prst="roundRect">
-                <a:avLst/>
-              </a:prstGeom>
-              <a:solidFill>
-                <a:schemeClr val="accent6">
-                  <a:lumMod val="60000"/>
-                  <a:lumOff val="40000"/>
-                </a:schemeClr>
-              </a:solidFill>
-              <a:ln>
-                <a:noFill/>
-              </a:ln>
-            </p:spPr>
-            <p:style>
-              <a:lnRef idx="0">
-                <a:scrgbClr r="0" g="0" b="0"/>
-              </a:lnRef>
-              <a:fillRef idx="0">
-                <a:scrgbClr r="0" g="0" b="0"/>
-              </a:fillRef>
-              <a:effectRef idx="0">
-                <a:scrgbClr r="0" g="0" b="0"/>
-              </a:effectRef>
-              <a:fontRef idx="minor">
-                <a:schemeClr val="lt1"/>
-              </a:fontRef>
-            </p:style>
-            <p:txBody>
-              <a:bodyPr rtlCol="0" anchor="ctr"/>
-              <a:lstStyle/>
-              <a:p>
-                <a:pPr algn="ctr"/>
-                <a:r>
-                  <a:rPr lang="en-IN" sz="1400" b="1" dirty="0">
-                    <a:solidFill>
-                      <a:schemeClr val="tx1">
-                        <a:lumMod val="95000"/>
-                        <a:lumOff val="5000"/>
-                      </a:schemeClr>
-                    </a:solidFill>
-                  </a:rPr>
-                  <a:t>View 1</a:t>
+                  <a:t>index</a:t>
                 </a:r>
                 <a:endParaRPr lang="en-US" sz="1400" b="1" dirty="0">
                   <a:solidFill>
@@ -5492,578 +4825,1393 @@
               </a:p>
             </p:txBody>
           </p:sp>
-          <p:sp>
-            <p:nvSpPr>
-              <p:cNvPr id="69" name="Rectangle: Rounded Corners 68">
+          <p:grpSp>
+            <p:nvGrpSpPr>
+              <p:cNvPr id="65" name="Group 64">
                 <a:extLst>
                   <a:ext uri="{FF2B5EF4-FFF2-40B4-BE49-F238E27FC236}">
-                    <a16:creationId xmlns:a16="http://schemas.microsoft.com/office/drawing/2014/main" id="{EAAAE77D-F948-D2E3-2B0A-EA901EE38614}"/>
+                    <a16:creationId xmlns:a16="http://schemas.microsoft.com/office/drawing/2014/main" id="{C8C01E17-9082-21DF-F6E8-569ACF6D3BC1}"/>
                   </a:ext>
                 </a:extLst>
               </p:cNvPr>
-              <p:cNvSpPr/>
+              <p:cNvGrpSpPr/>
               <p:nvPr/>
-            </p:nvSpPr>
-            <p:spPr>
+            </p:nvGrpSpPr>
+            <p:grpSpPr>
               <a:xfrm>
-                <a:off x="7538028" y="4347591"/>
-                <a:ext cx="1524000" cy="471054"/>
+                <a:off x="1508989" y="3676610"/>
+                <a:ext cx="5399809" cy="2410876"/>
+                <a:chOff x="1508989" y="3676610"/>
+                <a:chExt cx="5399809" cy="2410876"/>
               </a:xfrm>
-              <a:prstGeom prst="roundRect">
-                <a:avLst/>
-              </a:prstGeom>
-              <a:solidFill>
-                <a:schemeClr val="accent6">
-                  <a:lumMod val="60000"/>
-                  <a:lumOff val="40000"/>
-                </a:schemeClr>
-              </a:solidFill>
-              <a:ln>
-                <a:noFill/>
-              </a:ln>
-            </p:spPr>
-            <p:style>
-              <a:lnRef idx="0">
-                <a:scrgbClr r="0" g="0" b="0"/>
-              </a:lnRef>
-              <a:fillRef idx="0">
-                <a:scrgbClr r="0" g="0" b="0"/>
-              </a:fillRef>
-              <a:effectRef idx="0">
-                <a:scrgbClr r="0" g="0" b="0"/>
-              </a:effectRef>
-              <a:fontRef idx="minor">
-                <a:schemeClr val="lt1"/>
-              </a:fontRef>
-            </p:style>
-            <p:txBody>
-              <a:bodyPr rtlCol="0" anchor="ctr"/>
-              <a:lstStyle/>
-              <a:p>
-                <a:pPr algn="ctr"/>
-                <a:r>
-                  <a:rPr lang="en-IN" sz="1400" b="1" dirty="0">
+            </p:grpSpPr>
+            <p:sp>
+              <p:nvSpPr>
+                <p:cNvPr id="22" name="Rectangle: Rounded Corners 21">
+                  <a:extLst>
+                    <a:ext uri="{FF2B5EF4-FFF2-40B4-BE49-F238E27FC236}">
+                      <a16:creationId xmlns:a16="http://schemas.microsoft.com/office/drawing/2014/main" id="{2351618C-169A-2685-F44A-11635E948F18}"/>
+                    </a:ext>
+                  </a:extLst>
+                </p:cNvPr>
+                <p:cNvSpPr/>
+                <p:nvPr/>
+              </p:nvSpPr>
+              <p:spPr>
+                <a:xfrm>
+                  <a:off x="4603171" y="3676610"/>
+                  <a:ext cx="2305627" cy="1325127"/>
+                </a:xfrm>
+                <a:prstGeom prst="roundRect">
+                  <a:avLst/>
+                </a:prstGeom>
+                <a:solidFill>
+                  <a:srgbClr val="FF0000"/>
+                </a:solidFill>
+                <a:ln>
+                  <a:noFill/>
+                </a:ln>
+              </p:spPr>
+              <p:style>
+                <a:lnRef idx="0">
+                  <a:scrgbClr r="0" g="0" b="0"/>
+                </a:lnRef>
+                <a:fillRef idx="0">
+                  <a:scrgbClr r="0" g="0" b="0"/>
+                </a:fillRef>
+                <a:effectRef idx="0">
+                  <a:scrgbClr r="0" g="0" b="0"/>
+                </a:effectRef>
+                <a:fontRef idx="minor">
+                  <a:schemeClr val="lt1"/>
+                </a:fontRef>
+              </p:style>
+              <p:txBody>
+                <a:bodyPr rtlCol="0" anchor="ctr"/>
+                <a:lstStyle/>
+                <a:p>
+                  <a:pPr algn="ctr"/>
+                  <a:r>
+                    <a:rPr lang="en-IN" sz="1400" b="1" dirty="0">
+                      <a:solidFill>
+                        <a:schemeClr val="bg1"/>
+                      </a:solidFill>
+                    </a:rPr>
+                    <a:t>App.view.xml</a:t>
+                  </a:r>
+                </a:p>
+                <a:p>
+                  <a:pPr algn="ctr"/>
+                  <a:endParaRPr lang="en-IN" sz="1400" b="1" dirty="0">
+                    <a:solidFill>
+                      <a:schemeClr val="bg1"/>
+                    </a:solidFill>
+                  </a:endParaRPr>
+                </a:p>
+                <a:p>
+                  <a:pPr algn="ctr"/>
+                  <a:endParaRPr lang="en-IN" sz="1400" b="1" dirty="0">
+                    <a:solidFill>
+                      <a:schemeClr val="bg1"/>
+                    </a:solidFill>
+                  </a:endParaRPr>
+                </a:p>
+                <a:p>
+                  <a:pPr algn="ctr"/>
+                  <a:endParaRPr lang="en-IN" sz="1400" b="1" dirty="0">
+                    <a:solidFill>
+                      <a:schemeClr val="bg1"/>
+                    </a:solidFill>
+                  </a:endParaRPr>
+                </a:p>
+                <a:p>
+                  <a:pPr algn="ctr"/>
+                  <a:endParaRPr lang="en-US" sz="1400" b="1" dirty="0">
+                    <a:solidFill>
+                      <a:schemeClr val="bg1"/>
+                    </a:solidFill>
+                  </a:endParaRPr>
+                </a:p>
+              </p:txBody>
+            </p:sp>
+            <p:sp>
+              <p:nvSpPr>
+                <p:cNvPr id="24" name="Arrow: Left 23">
+                  <a:extLst>
+                    <a:ext uri="{FF2B5EF4-FFF2-40B4-BE49-F238E27FC236}">
+                      <a16:creationId xmlns:a16="http://schemas.microsoft.com/office/drawing/2014/main" id="{15D4BE0B-AC56-1F9A-8A4A-38E03ADF5CEE}"/>
+                    </a:ext>
+                  </a:extLst>
+                </p:cNvPr>
+                <p:cNvSpPr/>
+                <p:nvPr/>
+              </p:nvSpPr>
+              <p:spPr>
+                <a:xfrm rot="10800000">
+                  <a:off x="1508989" y="4167511"/>
+                  <a:ext cx="632691" cy="235527"/>
+                </a:xfrm>
+                <a:prstGeom prst="leftArrow">
+                  <a:avLst/>
+                </a:prstGeom>
+                <a:solidFill>
+                  <a:schemeClr val="accent4"/>
+                </a:solidFill>
+                <a:ln>
+                  <a:noFill/>
+                </a:ln>
+              </p:spPr>
+              <p:style>
+                <a:lnRef idx="0">
+                  <a:scrgbClr r="0" g="0" b="0"/>
+                </a:lnRef>
+                <a:fillRef idx="0">
+                  <a:scrgbClr r="0" g="0" b="0"/>
+                </a:fillRef>
+                <a:effectRef idx="0">
+                  <a:scrgbClr r="0" g="0" b="0"/>
+                </a:effectRef>
+                <a:fontRef idx="minor">
+                  <a:schemeClr val="lt1"/>
+                </a:fontRef>
+              </p:style>
+              <p:txBody>
+                <a:bodyPr rtlCol="0" anchor="ctr"/>
+                <a:lstStyle/>
+                <a:p>
+                  <a:pPr algn="ctr"/>
+                  <a:endParaRPr lang="en-US"/>
+                </a:p>
+              </p:txBody>
+            </p:sp>
+            <p:sp>
+              <p:nvSpPr>
+                <p:cNvPr id="25" name="Arrow: Left 24">
+                  <a:extLst>
+                    <a:ext uri="{FF2B5EF4-FFF2-40B4-BE49-F238E27FC236}">
+                      <a16:creationId xmlns:a16="http://schemas.microsoft.com/office/drawing/2014/main" id="{BAAB109D-AD99-A2D2-3259-339200ED21E0}"/>
+                    </a:ext>
+                  </a:extLst>
+                </p:cNvPr>
+                <p:cNvSpPr/>
+                <p:nvPr/>
+              </p:nvSpPr>
+              <p:spPr>
+                <a:xfrm rot="10800000">
+                  <a:off x="3868881" y="4167512"/>
+                  <a:ext cx="632691" cy="235527"/>
+                </a:xfrm>
+                <a:prstGeom prst="leftArrow">
+                  <a:avLst/>
+                </a:prstGeom>
+                <a:solidFill>
+                  <a:schemeClr val="accent4"/>
+                </a:solidFill>
+                <a:ln>
+                  <a:noFill/>
+                </a:ln>
+              </p:spPr>
+              <p:style>
+                <a:lnRef idx="0">
+                  <a:scrgbClr r="0" g="0" b="0"/>
+                </a:lnRef>
+                <a:fillRef idx="0">
+                  <a:scrgbClr r="0" g="0" b="0"/>
+                </a:fillRef>
+                <a:effectRef idx="0">
+                  <a:scrgbClr r="0" g="0" b="0"/>
+                </a:effectRef>
+                <a:fontRef idx="minor">
+                  <a:schemeClr val="lt1"/>
+                </a:fontRef>
+              </p:style>
+              <p:txBody>
+                <a:bodyPr rtlCol="0" anchor="ctr"/>
+                <a:lstStyle/>
+                <a:p>
+                  <a:pPr algn="ctr"/>
+                  <a:endParaRPr lang="en-US"/>
+                </a:p>
+              </p:txBody>
+            </p:sp>
+            <p:sp>
+              <p:nvSpPr>
+                <p:cNvPr id="27" name="Rectangle: Rounded Corners 26">
+                  <a:extLst>
+                    <a:ext uri="{FF2B5EF4-FFF2-40B4-BE49-F238E27FC236}">
+                      <a16:creationId xmlns:a16="http://schemas.microsoft.com/office/drawing/2014/main" id="{1EB28C8B-0C36-1710-9D90-F0826C4CECBC}"/>
+                    </a:ext>
+                  </a:extLst>
+                </p:cNvPr>
+                <p:cNvSpPr/>
+                <p:nvPr/>
+              </p:nvSpPr>
+              <p:spPr>
+                <a:xfrm>
+                  <a:off x="2243280" y="4046592"/>
+                  <a:ext cx="1524000" cy="471054"/>
+                </a:xfrm>
+                <a:prstGeom prst="roundRect">
+                  <a:avLst/>
+                </a:prstGeom>
+                <a:solidFill>
+                  <a:srgbClr val="FFC000"/>
+                </a:solidFill>
+                <a:ln>
+                  <a:noFill/>
+                </a:ln>
+              </p:spPr>
+              <p:style>
+                <a:lnRef idx="0">
+                  <a:scrgbClr r="0" g="0" b="0"/>
+                </a:lnRef>
+                <a:fillRef idx="0">
+                  <a:scrgbClr r="0" g="0" b="0"/>
+                </a:fillRef>
+                <a:effectRef idx="0">
+                  <a:scrgbClr r="0" g="0" b="0"/>
+                </a:effectRef>
+                <a:fontRef idx="minor">
+                  <a:schemeClr val="lt1"/>
+                </a:fontRef>
+              </p:style>
+              <p:txBody>
+                <a:bodyPr rtlCol="0" anchor="ctr"/>
+                <a:lstStyle/>
+                <a:p>
+                  <a:pPr algn="ctr"/>
+                  <a:r>
+                    <a:rPr lang="en-IN" sz="1400" b="1" dirty="0">
+                      <a:solidFill>
+                        <a:schemeClr val="tx1">
+                          <a:lumMod val="95000"/>
+                          <a:lumOff val="5000"/>
+                        </a:schemeClr>
+                      </a:solidFill>
+                    </a:rPr>
+                    <a:t>Component.js (child)</a:t>
+                  </a:r>
+                  <a:endParaRPr lang="en-US" sz="1400" b="1" dirty="0">
                     <a:solidFill>
                       <a:schemeClr val="tx1">
                         <a:lumMod val="95000"/>
                         <a:lumOff val="5000"/>
                       </a:schemeClr>
                     </a:solidFill>
-                  </a:rPr>
-                  <a:t>View 2</a:t>
-                </a:r>
-                <a:endParaRPr lang="en-US" sz="1400" b="1" dirty="0">
-                  <a:solidFill>
-                    <a:schemeClr val="tx1">
-                      <a:lumMod val="95000"/>
-                      <a:lumOff val="5000"/>
-                    </a:schemeClr>
-                  </a:solidFill>
-                </a:endParaRPr>
-              </a:p>
-            </p:txBody>
-          </p:sp>
-          <p:sp>
-            <p:nvSpPr>
-              <p:cNvPr id="70" name="Rectangle: Rounded Corners 69">
-                <a:extLst>
-                  <a:ext uri="{FF2B5EF4-FFF2-40B4-BE49-F238E27FC236}">
-                    <a16:creationId xmlns:a16="http://schemas.microsoft.com/office/drawing/2014/main" id="{032A9394-8D0A-1170-0EFD-9ED5AB3EE8AA}"/>
-                  </a:ext>
-                </a:extLst>
-              </p:cNvPr>
-              <p:cNvSpPr/>
-              <p:nvPr/>
-            </p:nvSpPr>
-            <p:spPr>
-              <a:xfrm>
-                <a:off x="7538028" y="4965092"/>
-                <a:ext cx="1524000" cy="471054"/>
-              </a:xfrm>
-              <a:prstGeom prst="roundRect">
-                <a:avLst/>
-              </a:prstGeom>
-              <a:solidFill>
-                <a:schemeClr val="accent6">
-                  <a:lumMod val="60000"/>
-                  <a:lumOff val="40000"/>
-                </a:schemeClr>
-              </a:solidFill>
-              <a:ln>
-                <a:noFill/>
-              </a:ln>
-            </p:spPr>
-            <p:style>
-              <a:lnRef idx="0">
-                <a:scrgbClr r="0" g="0" b="0"/>
-              </a:lnRef>
-              <a:fillRef idx="0">
-                <a:scrgbClr r="0" g="0" b="0"/>
-              </a:fillRef>
-              <a:effectRef idx="0">
-                <a:scrgbClr r="0" g="0" b="0"/>
-              </a:effectRef>
-              <a:fontRef idx="minor">
-                <a:schemeClr val="lt1"/>
-              </a:fontRef>
-            </p:style>
-            <p:txBody>
-              <a:bodyPr rtlCol="0" anchor="ctr"/>
-              <a:lstStyle/>
-              <a:p>
-                <a:pPr algn="ctr"/>
-                <a:r>
-                  <a:rPr lang="en-IN" sz="1400" b="1" dirty="0">
+                  </a:endParaRPr>
+                </a:p>
+              </p:txBody>
+            </p:sp>
+            <p:sp>
+              <p:nvSpPr>
+                <p:cNvPr id="28" name="Rectangle: Rounded Corners 27">
+                  <a:extLst>
+                    <a:ext uri="{FF2B5EF4-FFF2-40B4-BE49-F238E27FC236}">
+                      <a16:creationId xmlns:a16="http://schemas.microsoft.com/office/drawing/2014/main" id="{52D7E776-0D24-9E32-2FFD-338C481CC134}"/>
+                    </a:ext>
+                  </a:extLst>
+                </p:cNvPr>
+                <p:cNvSpPr/>
+                <p:nvPr/>
+              </p:nvSpPr>
+              <p:spPr>
+                <a:xfrm>
+                  <a:off x="2285999" y="4979523"/>
+                  <a:ext cx="1524000" cy="471054"/>
+                </a:xfrm>
+                <a:prstGeom prst="roundRect">
+                  <a:avLst/>
+                </a:prstGeom>
+                <a:solidFill>
+                  <a:srgbClr val="12EE27"/>
+                </a:solidFill>
+                <a:ln>
+                  <a:noFill/>
+                </a:ln>
+              </p:spPr>
+              <p:style>
+                <a:lnRef idx="0">
+                  <a:scrgbClr r="0" g="0" b="0"/>
+                </a:lnRef>
+                <a:fillRef idx="0">
+                  <a:scrgbClr r="0" g="0" b="0"/>
+                </a:fillRef>
+                <a:effectRef idx="0">
+                  <a:scrgbClr r="0" g="0" b="0"/>
+                </a:effectRef>
+                <a:fontRef idx="minor">
+                  <a:schemeClr val="lt1"/>
+                </a:fontRef>
+              </p:style>
+              <p:txBody>
+                <a:bodyPr rtlCol="0" anchor="ctr"/>
+                <a:lstStyle/>
+                <a:p>
+                  <a:pPr algn="ctr"/>
+                  <a:r>
+                    <a:rPr lang="en-IN" sz="1400" b="1" dirty="0" err="1">
+                      <a:solidFill>
+                        <a:schemeClr val="tx1">
+                          <a:lumMod val="95000"/>
+                          <a:lumOff val="5000"/>
+                        </a:schemeClr>
+                      </a:solidFill>
+                    </a:rPr>
+                    <a:t>manifest.json</a:t>
+                  </a:r>
+                  <a:endParaRPr lang="en-US" sz="1400" b="1" dirty="0">
                     <a:solidFill>
                       <a:schemeClr val="tx1">
                         <a:lumMod val="95000"/>
                         <a:lumOff val="5000"/>
                       </a:schemeClr>
                     </a:solidFill>
-                  </a:rPr>
-                  <a:t>View 3</a:t>
-                </a:r>
-                <a:endParaRPr lang="en-US" sz="1400" b="1" dirty="0">
+                  </a:endParaRPr>
+                </a:p>
+              </p:txBody>
+            </p:sp>
+            <p:sp>
+              <p:nvSpPr>
+                <p:cNvPr id="31" name="Arrow: Up-Down 30">
+                  <a:extLst>
+                    <a:ext uri="{FF2B5EF4-FFF2-40B4-BE49-F238E27FC236}">
+                      <a16:creationId xmlns:a16="http://schemas.microsoft.com/office/drawing/2014/main" id="{688A20ED-C7C0-A018-7F6E-54E82608E0CA}"/>
+                    </a:ext>
+                  </a:extLst>
+                </p:cNvPr>
+                <p:cNvSpPr/>
+                <p:nvPr/>
+              </p:nvSpPr>
+              <p:spPr>
+                <a:xfrm>
+                  <a:off x="2848262" y="4457701"/>
+                  <a:ext cx="314036" cy="576484"/>
+                </a:xfrm>
+                <a:prstGeom prst="upDownArrow">
+                  <a:avLst/>
+                </a:prstGeom>
+                <a:solidFill>
+                  <a:srgbClr val="00B0F0"/>
+                </a:solidFill>
+                <a:ln>
+                  <a:noFill/>
+                </a:ln>
+              </p:spPr>
+              <p:style>
+                <a:lnRef idx="2">
+                  <a:schemeClr val="accent1">
+                    <a:shade val="15000"/>
+                  </a:schemeClr>
+                </a:lnRef>
+                <a:fillRef idx="1">
+                  <a:schemeClr val="accent1"/>
+                </a:fillRef>
+                <a:effectRef idx="0">
+                  <a:schemeClr val="accent1"/>
+                </a:effectRef>
+                <a:fontRef idx="minor">
+                  <a:schemeClr val="lt1"/>
+                </a:fontRef>
+              </p:style>
+              <p:txBody>
+                <a:bodyPr rtlCol="0" anchor="ctr"/>
+                <a:lstStyle/>
+                <a:p>
+                  <a:pPr algn="ctr"/>
+                  <a:endParaRPr lang="en-US"/>
+                </a:p>
+              </p:txBody>
+            </p:sp>
+            <p:sp>
+              <p:nvSpPr>
+                <p:cNvPr id="36" name="Rectangle: Single Corner Snipped 35">
+                  <a:extLst>
+                    <a:ext uri="{FF2B5EF4-FFF2-40B4-BE49-F238E27FC236}">
+                      <a16:creationId xmlns:a16="http://schemas.microsoft.com/office/drawing/2014/main" id="{B6F4539F-6EA5-A01D-4073-DC4E25D4A052}"/>
+                    </a:ext>
+                  </a:extLst>
+                </p:cNvPr>
+                <p:cNvSpPr/>
+                <p:nvPr/>
+              </p:nvSpPr>
+              <p:spPr>
+                <a:xfrm>
+                  <a:off x="4895272" y="4101085"/>
+                  <a:ext cx="1741054" cy="724615"/>
+                </a:xfrm>
+                <a:prstGeom prst="snip1Rect">
+                  <a:avLst/>
+                </a:prstGeom>
+                <a:solidFill>
+                  <a:srgbClr val="FFFF00"/>
+                </a:solidFill>
+                <a:ln>
+                  <a:noFill/>
+                </a:ln>
+              </p:spPr>
+              <p:style>
+                <a:lnRef idx="2">
+                  <a:schemeClr val="accent1">
+                    <a:shade val="15000"/>
+                  </a:schemeClr>
+                </a:lnRef>
+                <a:fillRef idx="1">
+                  <a:schemeClr val="accent1"/>
+                </a:fillRef>
+                <a:effectRef idx="0">
+                  <a:schemeClr val="accent1"/>
+                </a:effectRef>
+                <a:fontRef idx="minor">
+                  <a:schemeClr val="lt1"/>
+                </a:fontRef>
+              </p:style>
+              <p:txBody>
+                <a:bodyPr rtlCol="0" anchor="ctr"/>
+                <a:lstStyle/>
+                <a:p>
+                  <a:pPr algn="ctr"/>
+                  <a:r>
+                    <a:rPr lang="en-IN" sz="1400" b="1" dirty="0">
+                      <a:solidFill>
+                        <a:schemeClr val="tx1"/>
+                      </a:solidFill>
+                    </a:rPr>
+                    <a:t>Container Control</a:t>
+                  </a:r>
+                  <a:endParaRPr lang="en-US" sz="1400" b="1" dirty="0">
+                    <a:solidFill>
+                      <a:schemeClr val="tx1"/>
+                    </a:solidFill>
+                  </a:endParaRPr>
+                </a:p>
+              </p:txBody>
+            </p:sp>
+            <p:grpSp>
+              <p:nvGrpSpPr>
+                <p:cNvPr id="64" name="Group 63">
+                  <a:extLst>
+                    <a:ext uri="{FF2B5EF4-FFF2-40B4-BE49-F238E27FC236}">
+                      <a16:creationId xmlns:a16="http://schemas.microsoft.com/office/drawing/2014/main" id="{5C39F65B-F7CF-E82F-3054-C49B9B6657A0}"/>
+                    </a:ext>
+                  </a:extLst>
+                </p:cNvPr>
+                <p:cNvGrpSpPr/>
+                <p:nvPr/>
+              </p:nvGrpSpPr>
+              <p:grpSpPr>
+                <a:xfrm>
+                  <a:off x="4903989" y="5001737"/>
+                  <a:ext cx="1723619" cy="1085749"/>
+                  <a:chOff x="4903989" y="5001737"/>
+                  <a:chExt cx="1723619" cy="1085749"/>
+                </a:xfrm>
+              </p:grpSpPr>
+              <p:cxnSp>
+                <p:nvCxnSpPr>
+                  <p:cNvPr id="62" name="Straight Arrow Connector 61">
+                    <a:extLst>
+                      <a:ext uri="{FF2B5EF4-FFF2-40B4-BE49-F238E27FC236}">
+                        <a16:creationId xmlns:a16="http://schemas.microsoft.com/office/drawing/2014/main" id="{11EEEAA1-B328-6A87-D9AA-95A1F7C22AD3}"/>
+                      </a:ext>
+                    </a:extLst>
+                  </p:cNvPr>
+                  <p:cNvCxnSpPr>
+                    <a:stCxn id="22" idx="2"/>
+                  </p:cNvCxnSpPr>
+                  <p:nvPr/>
+                </p:nvCxnSpPr>
+                <p:spPr>
+                  <a:xfrm flipH="1">
+                    <a:off x="5755984" y="5001737"/>
+                    <a:ext cx="1" cy="505119"/>
+                  </a:xfrm>
+                  <a:prstGeom prst="straightConnector1">
+                    <a:avLst/>
+                  </a:prstGeom>
+                  <a:ln>
+                    <a:headEnd type="triangle"/>
+                    <a:tailEnd type="triangle"/>
+                  </a:ln>
+                </p:spPr>
+                <p:style>
+                  <a:lnRef idx="2">
+                    <a:schemeClr val="accent1"/>
+                  </a:lnRef>
+                  <a:fillRef idx="0">
+                    <a:schemeClr val="accent1"/>
+                  </a:fillRef>
+                  <a:effectRef idx="1">
+                    <a:schemeClr val="accent1"/>
+                  </a:effectRef>
+                  <a:fontRef idx="minor">
+                    <a:schemeClr val="tx1"/>
+                  </a:fontRef>
+                </p:style>
+              </p:cxnSp>
+              <p:sp>
+                <p:nvSpPr>
+                  <p:cNvPr id="63" name="Rectangle: Rounded Corners 62">
+                    <a:extLst>
+                      <a:ext uri="{FF2B5EF4-FFF2-40B4-BE49-F238E27FC236}">
+                        <a16:creationId xmlns:a16="http://schemas.microsoft.com/office/drawing/2014/main" id="{A0267DF4-414E-2960-3A80-5B18C023848A}"/>
+                      </a:ext>
+                    </a:extLst>
+                  </p:cNvPr>
+                  <p:cNvSpPr/>
+                  <p:nvPr/>
+                </p:nvSpPr>
+                <p:spPr>
+                  <a:xfrm>
+                    <a:off x="4903989" y="5484171"/>
+                    <a:ext cx="1723619" cy="603315"/>
+                  </a:xfrm>
+                  <a:prstGeom prst="roundRect">
+                    <a:avLst/>
+                  </a:prstGeom>
                   <a:solidFill>
-                    <a:schemeClr val="tx1">
-                      <a:lumMod val="95000"/>
-                      <a:lumOff val="5000"/>
+                    <a:schemeClr val="accent5">
+                      <a:lumMod val="40000"/>
+                      <a:lumOff val="60000"/>
                     </a:schemeClr>
                   </a:solidFill>
-                </a:endParaRPr>
-              </a:p>
-            </p:txBody>
-          </p:sp>
-          <p:sp>
-            <p:nvSpPr>
-              <p:cNvPr id="71" name="Rectangle: Rounded Corners 70">
+                  <a:ln>
+                    <a:noFill/>
+                  </a:ln>
+                </p:spPr>
+                <p:style>
+                  <a:lnRef idx="2">
+                    <a:schemeClr val="accent1">
+                      <a:shade val="15000"/>
+                    </a:schemeClr>
+                  </a:lnRef>
+                  <a:fillRef idx="1">
+                    <a:schemeClr val="accent1"/>
+                  </a:fillRef>
+                  <a:effectRef idx="0">
+                    <a:schemeClr val="accent1"/>
+                  </a:effectRef>
+                  <a:fontRef idx="minor">
+                    <a:schemeClr val="lt1"/>
+                  </a:fontRef>
+                </p:style>
+                <p:txBody>
+                  <a:bodyPr rtlCol="0" anchor="ctr"/>
+                  <a:lstStyle/>
+                  <a:p>
+                    <a:pPr algn="ctr"/>
+                    <a:r>
+                      <a:rPr lang="en-IN" sz="1600" b="1" dirty="0">
+                        <a:solidFill>
+                          <a:schemeClr val="tx1"/>
+                        </a:solidFill>
+                      </a:rPr>
+                      <a:t>App controller</a:t>
+                    </a:r>
+                    <a:endParaRPr lang="en-US" sz="1600" b="1" dirty="0">
+                      <a:solidFill>
+                        <a:schemeClr val="tx1"/>
+                      </a:solidFill>
+                    </a:endParaRPr>
+                  </a:p>
+                </p:txBody>
+              </p:sp>
+            </p:grpSp>
+          </p:grpSp>
+          <p:grpSp>
+            <p:nvGrpSpPr>
+              <p:cNvPr id="66" name="Group 65">
                 <a:extLst>
                   <a:ext uri="{FF2B5EF4-FFF2-40B4-BE49-F238E27FC236}">
-                    <a16:creationId xmlns:a16="http://schemas.microsoft.com/office/drawing/2014/main" id="{05CDFC26-1E1C-9B29-7166-774FB16EAB90}"/>
+                    <a16:creationId xmlns:a16="http://schemas.microsoft.com/office/drawing/2014/main" id="{005C3642-ED83-4DE0-7D72-BC09B21BE864}"/>
                   </a:ext>
                 </a:extLst>
               </p:cNvPr>
-              <p:cNvSpPr/>
+              <p:cNvGrpSpPr/>
               <p:nvPr/>
-            </p:nvSpPr>
-            <p:spPr>
+            </p:nvGrpSpPr>
+            <p:grpSpPr>
               <a:xfrm>
-                <a:off x="9721283" y="4347591"/>
-                <a:ext cx="1524000" cy="471054"/>
+                <a:off x="6470649" y="3549831"/>
+                <a:ext cx="4830051" cy="1710118"/>
+                <a:chOff x="6415232" y="3369412"/>
+                <a:chExt cx="4830051" cy="1710118"/>
               </a:xfrm>
-              <a:prstGeom prst="roundRect">
-                <a:avLst/>
-              </a:prstGeom>
-              <a:solidFill>
-                <a:schemeClr val="accent5">
-                  <a:lumMod val="40000"/>
-                  <a:lumOff val="60000"/>
-                </a:schemeClr>
-              </a:solidFill>
-              <a:ln>
-                <a:noFill/>
-              </a:ln>
-            </p:spPr>
-            <p:style>
-              <a:lnRef idx="0">
-                <a:scrgbClr r="0" g="0" b="0"/>
-              </a:lnRef>
-              <a:fillRef idx="0">
-                <a:scrgbClr r="0" g="0" b="0"/>
-              </a:fillRef>
-              <a:effectRef idx="0">
-                <a:scrgbClr r="0" g="0" b="0"/>
-              </a:effectRef>
-              <a:fontRef idx="minor">
-                <a:schemeClr val="lt1"/>
-              </a:fontRef>
-            </p:style>
-            <p:txBody>
-              <a:bodyPr rtlCol="0" anchor="ctr"/>
-              <a:lstStyle/>
-              <a:p>
-                <a:pPr algn="ctr"/>
-                <a:r>
-                  <a:rPr lang="en-IN" sz="1400" b="1" dirty="0">
+            </p:grpSpPr>
+            <p:sp>
+              <p:nvSpPr>
+                <p:cNvPr id="67" name="Rectangle: Rounded Corners 66">
+                  <a:extLst>
+                    <a:ext uri="{FF2B5EF4-FFF2-40B4-BE49-F238E27FC236}">
+                      <a16:creationId xmlns:a16="http://schemas.microsoft.com/office/drawing/2014/main" id="{571F8018-8E6A-5E72-80E7-9519F24C97AC}"/>
+                    </a:ext>
+                  </a:extLst>
+                </p:cNvPr>
+                <p:cNvSpPr/>
+                <p:nvPr/>
+              </p:nvSpPr>
+              <p:spPr>
+                <a:xfrm>
+                  <a:off x="9721283" y="3369412"/>
+                  <a:ext cx="1524000" cy="471054"/>
+                </a:xfrm>
+                <a:prstGeom prst="roundRect">
+                  <a:avLst/>
+                </a:prstGeom>
+                <a:solidFill>
+                  <a:schemeClr val="accent5">
+                    <a:lumMod val="40000"/>
+                    <a:lumOff val="60000"/>
+                  </a:schemeClr>
+                </a:solidFill>
+                <a:ln>
+                  <a:noFill/>
+                </a:ln>
+              </p:spPr>
+              <p:style>
+                <a:lnRef idx="0">
+                  <a:scrgbClr r="0" g="0" b="0"/>
+                </a:lnRef>
+                <a:fillRef idx="0">
+                  <a:scrgbClr r="0" g="0" b="0"/>
+                </a:fillRef>
+                <a:effectRef idx="0">
+                  <a:scrgbClr r="0" g="0" b="0"/>
+                </a:effectRef>
+                <a:fontRef idx="minor">
+                  <a:schemeClr val="lt1"/>
+                </a:fontRef>
+              </p:style>
+              <p:txBody>
+                <a:bodyPr rtlCol="0" anchor="ctr"/>
+                <a:lstStyle/>
+                <a:p>
+                  <a:pPr algn="ctr"/>
+                  <a:r>
+                    <a:rPr lang="en-IN" sz="1400" b="1" dirty="0">
+                      <a:solidFill>
+                        <a:schemeClr val="tx1">
+                          <a:lumMod val="95000"/>
+                          <a:lumOff val="5000"/>
+                        </a:schemeClr>
+                      </a:solidFill>
+                    </a:rPr>
+                    <a:t>Controller 1</a:t>
+                  </a:r>
+                </a:p>
+              </p:txBody>
+            </p:sp>
+            <p:sp>
+              <p:nvSpPr>
+                <p:cNvPr id="68" name="Rectangle: Rounded Corners 67">
+                  <a:extLst>
+                    <a:ext uri="{FF2B5EF4-FFF2-40B4-BE49-F238E27FC236}">
+                      <a16:creationId xmlns:a16="http://schemas.microsoft.com/office/drawing/2014/main" id="{EC819172-98EF-9A14-A539-8728778FD2EA}"/>
+                    </a:ext>
+                  </a:extLst>
+                </p:cNvPr>
+                <p:cNvSpPr/>
+                <p:nvPr/>
+              </p:nvSpPr>
+              <p:spPr>
+                <a:xfrm>
+                  <a:off x="7510320" y="3371597"/>
+                  <a:ext cx="1524000" cy="471054"/>
+                </a:xfrm>
+                <a:prstGeom prst="roundRect">
+                  <a:avLst/>
+                </a:prstGeom>
+                <a:solidFill>
+                  <a:schemeClr val="accent6">
+                    <a:lumMod val="60000"/>
+                    <a:lumOff val="40000"/>
+                  </a:schemeClr>
+                </a:solidFill>
+                <a:ln>
+                  <a:noFill/>
+                </a:ln>
+              </p:spPr>
+              <p:style>
+                <a:lnRef idx="0">
+                  <a:scrgbClr r="0" g="0" b="0"/>
+                </a:lnRef>
+                <a:fillRef idx="0">
+                  <a:scrgbClr r="0" g="0" b="0"/>
+                </a:fillRef>
+                <a:effectRef idx="0">
+                  <a:scrgbClr r="0" g="0" b="0"/>
+                </a:effectRef>
+                <a:fontRef idx="minor">
+                  <a:schemeClr val="lt1"/>
+                </a:fontRef>
+              </p:style>
+              <p:txBody>
+                <a:bodyPr rtlCol="0" anchor="ctr"/>
+                <a:lstStyle/>
+                <a:p>
+                  <a:pPr algn="ctr"/>
+                  <a:r>
+                    <a:rPr lang="en-IN" sz="1400" b="1" dirty="0">
+                      <a:solidFill>
+                        <a:schemeClr val="tx1">
+                          <a:lumMod val="95000"/>
+                          <a:lumOff val="5000"/>
+                        </a:schemeClr>
+                      </a:solidFill>
+                    </a:rPr>
+                    <a:t>View 1</a:t>
+                  </a:r>
+                  <a:endParaRPr lang="en-US" sz="1400" b="1" dirty="0">
                     <a:solidFill>
                       <a:schemeClr val="tx1">
                         <a:lumMod val="95000"/>
                         <a:lumOff val="5000"/>
                       </a:schemeClr>
                     </a:solidFill>
-                  </a:rPr>
-                  <a:t>Controller 2</a:t>
-                </a:r>
-              </a:p>
-            </p:txBody>
-          </p:sp>
-          <p:sp>
-            <p:nvSpPr>
-              <p:cNvPr id="72" name="Rectangle: Rounded Corners 71">
-                <a:extLst>
-                  <a:ext uri="{FF2B5EF4-FFF2-40B4-BE49-F238E27FC236}">
-                    <a16:creationId xmlns:a16="http://schemas.microsoft.com/office/drawing/2014/main" id="{D184A239-48DA-B52D-7DD9-C118B40C6853}"/>
-                  </a:ext>
-                </a:extLst>
-              </p:cNvPr>
-              <p:cNvSpPr/>
-              <p:nvPr/>
-            </p:nvSpPr>
-            <p:spPr>
-              <a:xfrm>
-                <a:off x="9721283" y="4965092"/>
-                <a:ext cx="1524000" cy="471054"/>
-              </a:xfrm>
-              <a:prstGeom prst="roundRect">
-                <a:avLst/>
-              </a:prstGeom>
-              <a:solidFill>
-                <a:schemeClr val="accent5">
-                  <a:lumMod val="40000"/>
-                  <a:lumOff val="60000"/>
-                </a:schemeClr>
-              </a:solidFill>
-              <a:ln>
-                <a:noFill/>
-              </a:ln>
-            </p:spPr>
-            <p:style>
-              <a:lnRef idx="0">
-                <a:scrgbClr r="0" g="0" b="0"/>
-              </a:lnRef>
-              <a:fillRef idx="0">
-                <a:scrgbClr r="0" g="0" b="0"/>
-              </a:fillRef>
-              <a:effectRef idx="0">
-                <a:scrgbClr r="0" g="0" b="0"/>
-              </a:effectRef>
-              <a:fontRef idx="minor">
-                <a:schemeClr val="lt1"/>
-              </a:fontRef>
-            </p:style>
-            <p:txBody>
-              <a:bodyPr rtlCol="0" anchor="ctr"/>
-              <a:lstStyle/>
-              <a:p>
-                <a:pPr algn="ctr"/>
-                <a:r>
-                  <a:rPr lang="en-IN" sz="1400" b="1" dirty="0">
+                  </a:endParaRPr>
+                </a:p>
+              </p:txBody>
+            </p:sp>
+            <p:sp>
+              <p:nvSpPr>
+                <p:cNvPr id="69" name="Rectangle: Rounded Corners 68">
+                  <a:extLst>
+                    <a:ext uri="{FF2B5EF4-FFF2-40B4-BE49-F238E27FC236}">
+                      <a16:creationId xmlns:a16="http://schemas.microsoft.com/office/drawing/2014/main" id="{EAAAE77D-F948-D2E3-2B0A-EA901EE38614}"/>
+                    </a:ext>
+                  </a:extLst>
+                </p:cNvPr>
+                <p:cNvSpPr/>
+                <p:nvPr/>
+              </p:nvSpPr>
+              <p:spPr>
+                <a:xfrm>
+                  <a:off x="7538028" y="3990975"/>
+                  <a:ext cx="1524000" cy="471054"/>
+                </a:xfrm>
+                <a:prstGeom prst="roundRect">
+                  <a:avLst/>
+                </a:prstGeom>
+                <a:solidFill>
+                  <a:schemeClr val="accent6">
+                    <a:lumMod val="60000"/>
+                    <a:lumOff val="40000"/>
+                  </a:schemeClr>
+                </a:solidFill>
+                <a:ln>
+                  <a:noFill/>
+                </a:ln>
+              </p:spPr>
+              <p:style>
+                <a:lnRef idx="0">
+                  <a:scrgbClr r="0" g="0" b="0"/>
+                </a:lnRef>
+                <a:fillRef idx="0">
+                  <a:scrgbClr r="0" g="0" b="0"/>
+                </a:fillRef>
+                <a:effectRef idx="0">
+                  <a:scrgbClr r="0" g="0" b="0"/>
+                </a:effectRef>
+                <a:fontRef idx="minor">
+                  <a:schemeClr val="lt1"/>
+                </a:fontRef>
+              </p:style>
+              <p:txBody>
+                <a:bodyPr rtlCol="0" anchor="ctr"/>
+                <a:lstStyle/>
+                <a:p>
+                  <a:pPr algn="ctr"/>
+                  <a:r>
+                    <a:rPr lang="en-IN" sz="1400" b="1" dirty="0">
+                      <a:solidFill>
+                        <a:schemeClr val="tx1">
+                          <a:lumMod val="95000"/>
+                          <a:lumOff val="5000"/>
+                        </a:schemeClr>
+                      </a:solidFill>
+                    </a:rPr>
+                    <a:t>View 2</a:t>
+                  </a:r>
+                  <a:endParaRPr lang="en-US" sz="1400" b="1" dirty="0">
                     <a:solidFill>
                       <a:schemeClr val="tx1">
                         <a:lumMod val="95000"/>
                         <a:lumOff val="5000"/>
                       </a:schemeClr>
                     </a:solidFill>
-                  </a:rPr>
-                  <a:t>Controller 3</a:t>
-                </a:r>
-              </a:p>
-            </p:txBody>
-          </p:sp>
-          <p:cxnSp>
-            <p:nvCxnSpPr>
-              <p:cNvPr id="73" name="Straight Arrow Connector 72">
-                <a:extLst>
-                  <a:ext uri="{FF2B5EF4-FFF2-40B4-BE49-F238E27FC236}">
-                    <a16:creationId xmlns:a16="http://schemas.microsoft.com/office/drawing/2014/main" id="{BA183709-F090-8E73-569B-747C7F964ABC}"/>
-                  </a:ext>
-                </a:extLst>
-              </p:cNvPr>
-              <p:cNvCxnSpPr>
-                <a:stCxn id="68" idx="1"/>
-              </p:cNvCxnSpPr>
-              <p:nvPr/>
-            </p:nvCxnSpPr>
-            <p:spPr>
-              <a:xfrm flipH="1">
-                <a:off x="6415232" y="3963740"/>
-                <a:ext cx="1095088" cy="530947"/>
-              </a:xfrm>
-              <a:prstGeom prst="straightConnector1">
-                <a:avLst/>
-              </a:prstGeom>
-              <a:ln>
-                <a:tailEnd type="triangle"/>
-              </a:ln>
-            </p:spPr>
-            <p:style>
-              <a:lnRef idx="2">
-                <a:schemeClr val="accent1"/>
-              </a:lnRef>
-              <a:fillRef idx="0">
-                <a:schemeClr val="accent1"/>
-              </a:fillRef>
-              <a:effectRef idx="1">
-                <a:schemeClr val="accent1"/>
-              </a:effectRef>
-              <a:fontRef idx="minor">
-                <a:schemeClr val="tx1"/>
-              </a:fontRef>
-            </p:style>
-          </p:cxnSp>
-          <p:cxnSp>
-            <p:nvCxnSpPr>
-              <p:cNvPr id="74" name="Straight Arrow Connector 73">
-                <a:extLst>
-                  <a:ext uri="{FF2B5EF4-FFF2-40B4-BE49-F238E27FC236}">
-                    <a16:creationId xmlns:a16="http://schemas.microsoft.com/office/drawing/2014/main" id="{4B9D6A48-BB2E-1E6E-77CE-5FC873CA2E5B}"/>
-                  </a:ext>
-                </a:extLst>
-              </p:cNvPr>
-              <p:cNvCxnSpPr>
-                <a:cxnSpLocks/>
-                <a:stCxn id="69" idx="1"/>
-              </p:cNvCxnSpPr>
-              <p:nvPr/>
-            </p:nvCxnSpPr>
-            <p:spPr>
-              <a:xfrm flipH="1">
-                <a:off x="6458957" y="4583118"/>
-                <a:ext cx="1079071" cy="99370"/>
-              </a:xfrm>
-              <a:prstGeom prst="straightConnector1">
-                <a:avLst/>
-              </a:prstGeom>
-              <a:ln>
-                <a:tailEnd type="triangle"/>
-              </a:ln>
-            </p:spPr>
-            <p:style>
-              <a:lnRef idx="2">
-                <a:schemeClr val="accent1"/>
-              </a:lnRef>
-              <a:fillRef idx="0">
-                <a:schemeClr val="accent1"/>
-              </a:fillRef>
-              <a:effectRef idx="1">
-                <a:schemeClr val="accent1"/>
-              </a:effectRef>
-              <a:fontRef idx="minor">
-                <a:schemeClr val="tx1"/>
-              </a:fontRef>
-            </p:style>
-          </p:cxnSp>
-          <p:cxnSp>
-            <p:nvCxnSpPr>
-              <p:cNvPr id="75" name="Straight Arrow Connector 74">
-                <a:extLst>
-                  <a:ext uri="{FF2B5EF4-FFF2-40B4-BE49-F238E27FC236}">
-                    <a16:creationId xmlns:a16="http://schemas.microsoft.com/office/drawing/2014/main" id="{6AED1BA4-B94E-9B3E-1DB3-8E0765B38AFB}"/>
-                  </a:ext>
-                </a:extLst>
-              </p:cNvPr>
-              <p:cNvCxnSpPr>
-                <a:cxnSpLocks/>
-                <a:stCxn id="70" idx="1"/>
-              </p:cNvCxnSpPr>
-              <p:nvPr/>
-            </p:nvCxnSpPr>
-            <p:spPr>
-              <a:xfrm flipH="1" flipV="1">
-                <a:off x="6458957" y="4828935"/>
-                <a:ext cx="1079071" cy="371684"/>
-              </a:xfrm>
-              <a:prstGeom prst="straightConnector1">
-                <a:avLst/>
-              </a:prstGeom>
-              <a:ln>
-                <a:tailEnd type="triangle"/>
-              </a:ln>
-            </p:spPr>
-            <p:style>
-              <a:lnRef idx="2">
-                <a:schemeClr val="accent1"/>
-              </a:lnRef>
-              <a:fillRef idx="0">
-                <a:schemeClr val="accent1"/>
-              </a:fillRef>
-              <a:effectRef idx="1">
-                <a:schemeClr val="accent1"/>
-              </a:effectRef>
-              <a:fontRef idx="minor">
-                <a:schemeClr val="tx1"/>
-              </a:fontRef>
-            </p:style>
-          </p:cxnSp>
-          <p:cxnSp>
-            <p:nvCxnSpPr>
-              <p:cNvPr id="76" name="Straight Arrow Connector 75">
-                <a:extLst>
-                  <a:ext uri="{FF2B5EF4-FFF2-40B4-BE49-F238E27FC236}">
-                    <a16:creationId xmlns:a16="http://schemas.microsoft.com/office/drawing/2014/main" id="{B5BB76DF-F26C-A67E-9C06-645609C7BA08}"/>
-                  </a:ext>
-                </a:extLst>
-              </p:cNvPr>
-              <p:cNvCxnSpPr>
-                <a:cxnSpLocks/>
-                <a:stCxn id="67" idx="1"/>
-                <a:endCxn id="68" idx="3"/>
-              </p:cNvCxnSpPr>
-              <p:nvPr/>
-            </p:nvCxnSpPr>
-            <p:spPr>
-              <a:xfrm flipH="1">
-                <a:off x="9034320" y="3961555"/>
-                <a:ext cx="686963" cy="2185"/>
-              </a:xfrm>
-              <a:prstGeom prst="straightConnector1">
-                <a:avLst/>
-              </a:prstGeom>
-              <a:ln>
-                <a:tailEnd type="triangle"/>
-              </a:ln>
-            </p:spPr>
-            <p:style>
-              <a:lnRef idx="2">
-                <a:schemeClr val="accent1"/>
-              </a:lnRef>
-              <a:fillRef idx="0">
-                <a:schemeClr val="accent1"/>
-              </a:fillRef>
-              <a:effectRef idx="1">
-                <a:schemeClr val="accent1"/>
-              </a:effectRef>
-              <a:fontRef idx="minor">
-                <a:schemeClr val="tx1"/>
-              </a:fontRef>
-            </p:style>
-          </p:cxnSp>
-          <p:cxnSp>
-            <p:nvCxnSpPr>
-              <p:cNvPr id="77" name="Straight Arrow Connector 76">
-                <a:extLst>
-                  <a:ext uri="{FF2B5EF4-FFF2-40B4-BE49-F238E27FC236}">
-                    <a16:creationId xmlns:a16="http://schemas.microsoft.com/office/drawing/2014/main" id="{B290EF71-1EE3-7E4A-2384-F6ADF3794E20}"/>
-                  </a:ext>
-                </a:extLst>
-              </p:cNvPr>
-              <p:cNvCxnSpPr>
-                <a:cxnSpLocks/>
-              </p:cNvCxnSpPr>
-              <p:nvPr/>
-            </p:nvCxnSpPr>
-            <p:spPr>
-              <a:xfrm flipH="1">
-                <a:off x="9048174" y="4578748"/>
-                <a:ext cx="686963" cy="2185"/>
-              </a:xfrm>
-              <a:prstGeom prst="straightConnector1">
-                <a:avLst/>
-              </a:prstGeom>
-              <a:ln>
-                <a:tailEnd type="triangle"/>
-              </a:ln>
-            </p:spPr>
-            <p:style>
-              <a:lnRef idx="2">
-                <a:schemeClr val="accent1"/>
-              </a:lnRef>
-              <a:fillRef idx="0">
-                <a:schemeClr val="accent1"/>
-              </a:fillRef>
-              <a:effectRef idx="1">
-                <a:schemeClr val="accent1"/>
-              </a:effectRef>
-              <a:fontRef idx="minor">
-                <a:schemeClr val="tx1"/>
-              </a:fontRef>
-            </p:style>
-          </p:cxnSp>
-          <p:cxnSp>
-            <p:nvCxnSpPr>
-              <p:cNvPr id="78" name="Straight Arrow Connector 77">
-                <a:extLst>
-                  <a:ext uri="{FF2B5EF4-FFF2-40B4-BE49-F238E27FC236}">
-                    <a16:creationId xmlns:a16="http://schemas.microsoft.com/office/drawing/2014/main" id="{A5C2B44B-30B3-22AC-0056-B17E2442099B}"/>
-                  </a:ext>
-                </a:extLst>
-              </p:cNvPr>
-              <p:cNvCxnSpPr>
-                <a:cxnSpLocks/>
-              </p:cNvCxnSpPr>
-              <p:nvPr/>
-            </p:nvCxnSpPr>
-            <p:spPr>
-              <a:xfrm flipH="1">
-                <a:off x="9048173" y="5193756"/>
-                <a:ext cx="686963" cy="2185"/>
-              </a:xfrm>
-              <a:prstGeom prst="straightConnector1">
-                <a:avLst/>
-              </a:prstGeom>
-              <a:ln>
-                <a:tailEnd type="triangle"/>
-              </a:ln>
-            </p:spPr>
-            <p:style>
-              <a:lnRef idx="2">
-                <a:schemeClr val="accent1"/>
-              </a:lnRef>
-              <a:fillRef idx="0">
-                <a:schemeClr val="accent1"/>
-              </a:fillRef>
-              <a:effectRef idx="1">
-                <a:schemeClr val="accent1"/>
-              </a:effectRef>
-              <a:fontRef idx="minor">
-                <a:schemeClr val="tx1"/>
-              </a:fontRef>
-            </p:style>
-          </p:cxnSp>
+                  </a:endParaRPr>
+                </a:p>
+              </p:txBody>
+            </p:sp>
+            <p:sp>
+              <p:nvSpPr>
+                <p:cNvPr id="70" name="Rectangle: Rounded Corners 69">
+                  <a:extLst>
+                    <a:ext uri="{FF2B5EF4-FFF2-40B4-BE49-F238E27FC236}">
+                      <a16:creationId xmlns:a16="http://schemas.microsoft.com/office/drawing/2014/main" id="{032A9394-8D0A-1170-0EFD-9ED5AB3EE8AA}"/>
+                    </a:ext>
+                  </a:extLst>
+                </p:cNvPr>
+                <p:cNvSpPr/>
+                <p:nvPr/>
+              </p:nvSpPr>
+              <p:spPr>
+                <a:xfrm>
+                  <a:off x="7538028" y="4608476"/>
+                  <a:ext cx="1524000" cy="471054"/>
+                </a:xfrm>
+                <a:prstGeom prst="roundRect">
+                  <a:avLst/>
+                </a:prstGeom>
+                <a:solidFill>
+                  <a:schemeClr val="accent6">
+                    <a:lumMod val="60000"/>
+                    <a:lumOff val="40000"/>
+                  </a:schemeClr>
+                </a:solidFill>
+                <a:ln>
+                  <a:noFill/>
+                </a:ln>
+              </p:spPr>
+              <p:style>
+                <a:lnRef idx="0">
+                  <a:scrgbClr r="0" g="0" b="0"/>
+                </a:lnRef>
+                <a:fillRef idx="0">
+                  <a:scrgbClr r="0" g="0" b="0"/>
+                </a:fillRef>
+                <a:effectRef idx="0">
+                  <a:scrgbClr r="0" g="0" b="0"/>
+                </a:effectRef>
+                <a:fontRef idx="minor">
+                  <a:schemeClr val="lt1"/>
+                </a:fontRef>
+              </p:style>
+              <p:txBody>
+                <a:bodyPr rtlCol="0" anchor="ctr"/>
+                <a:lstStyle/>
+                <a:p>
+                  <a:pPr algn="ctr"/>
+                  <a:r>
+                    <a:rPr lang="en-IN" sz="1400" b="1" dirty="0">
+                      <a:solidFill>
+                        <a:schemeClr val="tx1">
+                          <a:lumMod val="95000"/>
+                          <a:lumOff val="5000"/>
+                        </a:schemeClr>
+                      </a:solidFill>
+                    </a:rPr>
+                    <a:t>View 3</a:t>
+                  </a:r>
+                  <a:endParaRPr lang="en-US" sz="1400" b="1" dirty="0">
+                    <a:solidFill>
+                      <a:schemeClr val="tx1">
+                        <a:lumMod val="95000"/>
+                        <a:lumOff val="5000"/>
+                      </a:schemeClr>
+                    </a:solidFill>
+                  </a:endParaRPr>
+                </a:p>
+              </p:txBody>
+            </p:sp>
+            <p:sp>
+              <p:nvSpPr>
+                <p:cNvPr id="71" name="Rectangle: Rounded Corners 70">
+                  <a:extLst>
+                    <a:ext uri="{FF2B5EF4-FFF2-40B4-BE49-F238E27FC236}">
+                      <a16:creationId xmlns:a16="http://schemas.microsoft.com/office/drawing/2014/main" id="{05CDFC26-1E1C-9B29-7166-774FB16EAB90}"/>
+                    </a:ext>
+                  </a:extLst>
+                </p:cNvPr>
+                <p:cNvSpPr/>
+                <p:nvPr/>
+              </p:nvSpPr>
+              <p:spPr>
+                <a:xfrm>
+                  <a:off x="9721283" y="3990975"/>
+                  <a:ext cx="1524000" cy="471054"/>
+                </a:xfrm>
+                <a:prstGeom prst="roundRect">
+                  <a:avLst/>
+                </a:prstGeom>
+                <a:solidFill>
+                  <a:schemeClr val="accent5">
+                    <a:lumMod val="40000"/>
+                    <a:lumOff val="60000"/>
+                  </a:schemeClr>
+                </a:solidFill>
+                <a:ln>
+                  <a:noFill/>
+                </a:ln>
+              </p:spPr>
+              <p:style>
+                <a:lnRef idx="0">
+                  <a:scrgbClr r="0" g="0" b="0"/>
+                </a:lnRef>
+                <a:fillRef idx="0">
+                  <a:scrgbClr r="0" g="0" b="0"/>
+                </a:fillRef>
+                <a:effectRef idx="0">
+                  <a:scrgbClr r="0" g="0" b="0"/>
+                </a:effectRef>
+                <a:fontRef idx="minor">
+                  <a:schemeClr val="lt1"/>
+                </a:fontRef>
+              </p:style>
+              <p:txBody>
+                <a:bodyPr rtlCol="0" anchor="ctr"/>
+                <a:lstStyle/>
+                <a:p>
+                  <a:pPr algn="ctr"/>
+                  <a:r>
+                    <a:rPr lang="en-IN" sz="1400" b="1" dirty="0">
+                      <a:solidFill>
+                        <a:schemeClr val="tx1">
+                          <a:lumMod val="95000"/>
+                          <a:lumOff val="5000"/>
+                        </a:schemeClr>
+                      </a:solidFill>
+                    </a:rPr>
+                    <a:t>Controller 2</a:t>
+                  </a:r>
+                </a:p>
+              </p:txBody>
+            </p:sp>
+            <p:sp>
+              <p:nvSpPr>
+                <p:cNvPr id="72" name="Rectangle: Rounded Corners 71">
+                  <a:extLst>
+                    <a:ext uri="{FF2B5EF4-FFF2-40B4-BE49-F238E27FC236}">
+                      <a16:creationId xmlns:a16="http://schemas.microsoft.com/office/drawing/2014/main" id="{D184A239-48DA-B52D-7DD9-C118B40C6853}"/>
+                    </a:ext>
+                  </a:extLst>
+                </p:cNvPr>
+                <p:cNvSpPr/>
+                <p:nvPr/>
+              </p:nvSpPr>
+              <p:spPr>
+                <a:xfrm>
+                  <a:off x="9721283" y="4608476"/>
+                  <a:ext cx="1524000" cy="471054"/>
+                </a:xfrm>
+                <a:prstGeom prst="roundRect">
+                  <a:avLst/>
+                </a:prstGeom>
+                <a:solidFill>
+                  <a:schemeClr val="accent5">
+                    <a:lumMod val="40000"/>
+                    <a:lumOff val="60000"/>
+                  </a:schemeClr>
+                </a:solidFill>
+                <a:ln>
+                  <a:noFill/>
+                </a:ln>
+              </p:spPr>
+              <p:style>
+                <a:lnRef idx="0">
+                  <a:scrgbClr r="0" g="0" b="0"/>
+                </a:lnRef>
+                <a:fillRef idx="0">
+                  <a:scrgbClr r="0" g="0" b="0"/>
+                </a:fillRef>
+                <a:effectRef idx="0">
+                  <a:scrgbClr r="0" g="0" b="0"/>
+                </a:effectRef>
+                <a:fontRef idx="minor">
+                  <a:schemeClr val="lt1"/>
+                </a:fontRef>
+              </p:style>
+              <p:txBody>
+                <a:bodyPr rtlCol="0" anchor="ctr"/>
+                <a:lstStyle/>
+                <a:p>
+                  <a:pPr algn="ctr"/>
+                  <a:r>
+                    <a:rPr lang="en-IN" sz="1400" b="1" dirty="0">
+                      <a:solidFill>
+                        <a:schemeClr val="tx1">
+                          <a:lumMod val="95000"/>
+                          <a:lumOff val="5000"/>
+                        </a:schemeClr>
+                      </a:solidFill>
+                    </a:rPr>
+                    <a:t>Controller 3</a:t>
+                  </a:r>
+                </a:p>
+              </p:txBody>
+            </p:sp>
+            <p:cxnSp>
+              <p:nvCxnSpPr>
+                <p:cNvPr id="73" name="Straight Arrow Connector 72">
+                  <a:extLst>
+                    <a:ext uri="{FF2B5EF4-FFF2-40B4-BE49-F238E27FC236}">
+                      <a16:creationId xmlns:a16="http://schemas.microsoft.com/office/drawing/2014/main" id="{BA183709-F090-8E73-569B-747C7F964ABC}"/>
+                    </a:ext>
+                  </a:extLst>
+                </p:cNvPr>
+                <p:cNvCxnSpPr>
+                  <a:stCxn id="68" idx="1"/>
+                </p:cNvCxnSpPr>
+                <p:nvPr/>
+              </p:nvCxnSpPr>
+              <p:spPr>
+                <a:xfrm flipH="1">
+                  <a:off x="6415232" y="3607124"/>
+                  <a:ext cx="1095088" cy="530947"/>
+                </a:xfrm>
+                <a:prstGeom prst="straightConnector1">
+                  <a:avLst/>
+                </a:prstGeom>
+                <a:ln>
+                  <a:tailEnd type="triangle"/>
+                </a:ln>
+              </p:spPr>
+              <p:style>
+                <a:lnRef idx="2">
+                  <a:schemeClr val="accent1"/>
+                </a:lnRef>
+                <a:fillRef idx="0">
+                  <a:schemeClr val="accent1"/>
+                </a:fillRef>
+                <a:effectRef idx="1">
+                  <a:schemeClr val="accent1"/>
+                </a:effectRef>
+                <a:fontRef idx="minor">
+                  <a:schemeClr val="tx1"/>
+                </a:fontRef>
+              </p:style>
+            </p:cxnSp>
+            <p:cxnSp>
+              <p:nvCxnSpPr>
+                <p:cNvPr id="74" name="Straight Arrow Connector 73">
+                  <a:extLst>
+                    <a:ext uri="{FF2B5EF4-FFF2-40B4-BE49-F238E27FC236}">
+                      <a16:creationId xmlns:a16="http://schemas.microsoft.com/office/drawing/2014/main" id="{4B9D6A48-BB2E-1E6E-77CE-5FC873CA2E5B}"/>
+                    </a:ext>
+                  </a:extLst>
+                </p:cNvPr>
+                <p:cNvCxnSpPr>
+                  <a:cxnSpLocks/>
+                  <a:stCxn id="69" idx="1"/>
+                </p:cNvCxnSpPr>
+                <p:nvPr/>
+              </p:nvCxnSpPr>
+              <p:spPr>
+                <a:xfrm flipH="1">
+                  <a:off x="6458957" y="4226502"/>
+                  <a:ext cx="1079071" cy="99370"/>
+                </a:xfrm>
+                <a:prstGeom prst="straightConnector1">
+                  <a:avLst/>
+                </a:prstGeom>
+                <a:ln>
+                  <a:tailEnd type="triangle"/>
+                </a:ln>
+              </p:spPr>
+              <p:style>
+                <a:lnRef idx="2">
+                  <a:schemeClr val="accent1"/>
+                </a:lnRef>
+                <a:fillRef idx="0">
+                  <a:schemeClr val="accent1"/>
+                </a:fillRef>
+                <a:effectRef idx="1">
+                  <a:schemeClr val="accent1"/>
+                </a:effectRef>
+                <a:fontRef idx="minor">
+                  <a:schemeClr val="tx1"/>
+                </a:fontRef>
+              </p:style>
+            </p:cxnSp>
+            <p:cxnSp>
+              <p:nvCxnSpPr>
+                <p:cNvPr id="75" name="Straight Arrow Connector 74">
+                  <a:extLst>
+                    <a:ext uri="{FF2B5EF4-FFF2-40B4-BE49-F238E27FC236}">
+                      <a16:creationId xmlns:a16="http://schemas.microsoft.com/office/drawing/2014/main" id="{6AED1BA4-B94E-9B3E-1DB3-8E0765B38AFB}"/>
+                    </a:ext>
+                  </a:extLst>
+                </p:cNvPr>
+                <p:cNvCxnSpPr>
+                  <a:cxnSpLocks/>
+                  <a:stCxn id="70" idx="1"/>
+                </p:cNvCxnSpPr>
+                <p:nvPr/>
+              </p:nvCxnSpPr>
+              <p:spPr>
+                <a:xfrm flipH="1" flipV="1">
+                  <a:off x="6458957" y="4472319"/>
+                  <a:ext cx="1079071" cy="371684"/>
+                </a:xfrm>
+                <a:prstGeom prst="straightConnector1">
+                  <a:avLst/>
+                </a:prstGeom>
+                <a:ln>
+                  <a:tailEnd type="triangle"/>
+                </a:ln>
+              </p:spPr>
+              <p:style>
+                <a:lnRef idx="2">
+                  <a:schemeClr val="accent1"/>
+                </a:lnRef>
+                <a:fillRef idx="0">
+                  <a:schemeClr val="accent1"/>
+                </a:fillRef>
+                <a:effectRef idx="1">
+                  <a:schemeClr val="accent1"/>
+                </a:effectRef>
+                <a:fontRef idx="minor">
+                  <a:schemeClr val="tx1"/>
+                </a:fontRef>
+              </p:style>
+            </p:cxnSp>
+            <p:cxnSp>
+              <p:nvCxnSpPr>
+                <p:cNvPr id="76" name="Straight Arrow Connector 75">
+                  <a:extLst>
+                    <a:ext uri="{FF2B5EF4-FFF2-40B4-BE49-F238E27FC236}">
+                      <a16:creationId xmlns:a16="http://schemas.microsoft.com/office/drawing/2014/main" id="{B5BB76DF-F26C-A67E-9C06-645609C7BA08}"/>
+                    </a:ext>
+                  </a:extLst>
+                </p:cNvPr>
+                <p:cNvCxnSpPr>
+                  <a:cxnSpLocks/>
+                  <a:stCxn id="67" idx="1"/>
+                  <a:endCxn id="68" idx="3"/>
+                </p:cNvCxnSpPr>
+                <p:nvPr/>
+              </p:nvCxnSpPr>
+              <p:spPr>
+                <a:xfrm flipH="1">
+                  <a:off x="9034320" y="3604939"/>
+                  <a:ext cx="686963" cy="2185"/>
+                </a:xfrm>
+                <a:prstGeom prst="straightConnector1">
+                  <a:avLst/>
+                </a:prstGeom>
+                <a:ln>
+                  <a:tailEnd type="triangle"/>
+                </a:ln>
+              </p:spPr>
+              <p:style>
+                <a:lnRef idx="2">
+                  <a:schemeClr val="accent1"/>
+                </a:lnRef>
+                <a:fillRef idx="0">
+                  <a:schemeClr val="accent1"/>
+                </a:fillRef>
+                <a:effectRef idx="1">
+                  <a:schemeClr val="accent1"/>
+                </a:effectRef>
+                <a:fontRef idx="minor">
+                  <a:schemeClr val="tx1"/>
+                </a:fontRef>
+              </p:style>
+            </p:cxnSp>
+            <p:cxnSp>
+              <p:nvCxnSpPr>
+                <p:cNvPr id="77" name="Straight Arrow Connector 76">
+                  <a:extLst>
+                    <a:ext uri="{FF2B5EF4-FFF2-40B4-BE49-F238E27FC236}">
+                      <a16:creationId xmlns:a16="http://schemas.microsoft.com/office/drawing/2014/main" id="{B290EF71-1EE3-7E4A-2384-F6ADF3794E20}"/>
+                    </a:ext>
+                  </a:extLst>
+                </p:cNvPr>
+                <p:cNvCxnSpPr>
+                  <a:cxnSpLocks/>
+                </p:cNvCxnSpPr>
+                <p:nvPr/>
+              </p:nvCxnSpPr>
+              <p:spPr>
+                <a:xfrm flipH="1">
+                  <a:off x="9048174" y="4222132"/>
+                  <a:ext cx="686963" cy="2185"/>
+                </a:xfrm>
+                <a:prstGeom prst="straightConnector1">
+                  <a:avLst/>
+                </a:prstGeom>
+                <a:ln>
+                  <a:tailEnd type="triangle"/>
+                </a:ln>
+              </p:spPr>
+              <p:style>
+                <a:lnRef idx="2">
+                  <a:schemeClr val="accent1"/>
+                </a:lnRef>
+                <a:fillRef idx="0">
+                  <a:schemeClr val="accent1"/>
+                </a:fillRef>
+                <a:effectRef idx="1">
+                  <a:schemeClr val="accent1"/>
+                </a:effectRef>
+                <a:fontRef idx="minor">
+                  <a:schemeClr val="tx1"/>
+                </a:fontRef>
+              </p:style>
+            </p:cxnSp>
+            <p:cxnSp>
+              <p:nvCxnSpPr>
+                <p:cNvPr id="78" name="Straight Arrow Connector 77">
+                  <a:extLst>
+                    <a:ext uri="{FF2B5EF4-FFF2-40B4-BE49-F238E27FC236}">
+                      <a16:creationId xmlns:a16="http://schemas.microsoft.com/office/drawing/2014/main" id="{A5C2B44B-30B3-22AC-0056-B17E2442099B}"/>
+                    </a:ext>
+                  </a:extLst>
+                </p:cNvPr>
+                <p:cNvCxnSpPr>
+                  <a:cxnSpLocks/>
+                </p:cNvCxnSpPr>
+                <p:nvPr/>
+              </p:nvCxnSpPr>
+              <p:spPr>
+                <a:xfrm flipH="1">
+                  <a:off x="9048173" y="4837140"/>
+                  <a:ext cx="686963" cy="2185"/>
+                </a:xfrm>
+                <a:prstGeom prst="straightConnector1">
+                  <a:avLst/>
+                </a:prstGeom>
+                <a:ln>
+                  <a:tailEnd type="triangle"/>
+                </a:ln>
+              </p:spPr>
+              <p:style>
+                <a:lnRef idx="2">
+                  <a:schemeClr val="accent1"/>
+                </a:lnRef>
+                <a:fillRef idx="0">
+                  <a:schemeClr val="accent1"/>
+                </a:fillRef>
+                <a:effectRef idx="1">
+                  <a:schemeClr val="accent1"/>
+                </a:effectRef>
+                <a:fontRef idx="minor">
+                  <a:schemeClr val="tx1"/>
+                </a:fontRef>
+              </p:style>
+            </p:cxnSp>
+          </p:grpSp>
         </p:grpSp>
+        <p:sp>
+          <p:nvSpPr>
+            <p:cNvPr id="2" name="Rectangle: Rounded Corners 1">
+              <a:extLst>
+                <a:ext uri="{FF2B5EF4-FFF2-40B4-BE49-F238E27FC236}">
+                  <a16:creationId xmlns:a16="http://schemas.microsoft.com/office/drawing/2014/main" id="{952C24C4-23FB-61A7-E67D-6ECE600DC104}"/>
+                </a:ext>
+              </a:extLst>
+            </p:cNvPr>
+            <p:cNvSpPr/>
+            <p:nvPr/>
+          </p:nvSpPr>
+          <p:spPr>
+            <a:xfrm>
+              <a:off x="2583289" y="3246063"/>
+              <a:ext cx="1524000" cy="471054"/>
+            </a:xfrm>
+            <a:prstGeom prst="roundRect">
+              <a:avLst/>
+            </a:prstGeom>
+            <a:solidFill>
+              <a:srgbClr val="FF6E01"/>
+            </a:solidFill>
+            <a:ln>
+              <a:noFill/>
+            </a:ln>
+          </p:spPr>
+          <p:style>
+            <a:lnRef idx="0">
+              <a:scrgbClr r="0" g="0" b="0"/>
+            </a:lnRef>
+            <a:fillRef idx="0">
+              <a:scrgbClr r="0" g="0" b="0"/>
+            </a:fillRef>
+            <a:effectRef idx="0">
+              <a:scrgbClr r="0" g="0" b="0"/>
+            </a:effectRef>
+            <a:fontRef idx="minor">
+              <a:schemeClr val="lt1"/>
+            </a:fontRef>
+          </p:style>
+          <p:txBody>
+            <a:bodyPr rtlCol="0" anchor="ctr"/>
+            <a:lstStyle/>
+            <a:p>
+              <a:pPr algn="ctr"/>
+              <a:r>
+                <a:rPr lang="en-IN" sz="1400" b="1" dirty="0" err="1">
+                  <a:solidFill>
+                    <a:schemeClr val="bg1"/>
+                  </a:solidFill>
+                </a:rPr>
+                <a:t>UIComponent</a:t>
+              </a:r>
+              <a:r>
+                <a:rPr lang="en-IN" sz="1400" b="1" dirty="0">
+                  <a:solidFill>
+                    <a:schemeClr val="bg1"/>
+                  </a:solidFill>
+                </a:rPr>
+                <a:t> (parent)</a:t>
+              </a:r>
+              <a:endParaRPr lang="en-US" sz="1400" b="1" dirty="0">
+                <a:solidFill>
+                  <a:schemeClr val="bg1"/>
+                </a:solidFill>
+              </a:endParaRPr>
+            </a:p>
+          </p:txBody>
+        </p:sp>
+        <p:sp>
+          <p:nvSpPr>
+            <p:cNvPr id="3" name="Arrow: Left 2">
+              <a:extLst>
+                <a:ext uri="{FF2B5EF4-FFF2-40B4-BE49-F238E27FC236}">
+                  <a16:creationId xmlns:a16="http://schemas.microsoft.com/office/drawing/2014/main" id="{9C10D210-0493-1577-9ADD-DF3D1A7B2044}"/>
+                </a:ext>
+              </a:extLst>
+            </p:cNvPr>
+            <p:cNvSpPr/>
+            <p:nvPr/>
+          </p:nvSpPr>
+          <p:spPr>
+            <a:xfrm rot="16200000">
+              <a:off x="3121357" y="3818696"/>
+              <a:ext cx="447866" cy="235527"/>
+            </a:xfrm>
+            <a:prstGeom prst="leftArrow">
+              <a:avLst/>
+            </a:prstGeom>
+            <a:solidFill>
+              <a:schemeClr val="accent4"/>
+            </a:solidFill>
+            <a:ln>
+              <a:noFill/>
+            </a:ln>
+          </p:spPr>
+          <p:style>
+            <a:lnRef idx="0">
+              <a:scrgbClr r="0" g="0" b="0"/>
+            </a:lnRef>
+            <a:fillRef idx="0">
+              <a:scrgbClr r="0" g="0" b="0"/>
+            </a:fillRef>
+            <a:effectRef idx="0">
+              <a:scrgbClr r="0" g="0" b="0"/>
+            </a:effectRef>
+            <a:fontRef idx="minor">
+              <a:schemeClr val="lt1"/>
+            </a:fontRef>
+          </p:style>
+          <p:txBody>
+            <a:bodyPr rtlCol="0" anchor="ctr"/>
+            <a:lstStyle/>
+            <a:p>
+              <a:pPr algn="ctr"/>
+              <a:endParaRPr lang="en-US"/>
+            </a:p>
+          </p:txBody>
+        </p:sp>
       </p:grpSp>
-      <p:sp>
-        <p:nvSpPr>
-          <p:cNvPr id="80" name="TextBox 79">
-            <a:extLst>
-              <a:ext uri="{FF2B5EF4-FFF2-40B4-BE49-F238E27FC236}">
-                <a16:creationId xmlns:a16="http://schemas.microsoft.com/office/drawing/2014/main" id="{BBA25E8D-544A-C92C-8133-C7E921362BB2}"/>
-              </a:ext>
-            </a:extLst>
-          </p:cNvPr>
-          <p:cNvSpPr txBox="1"/>
-          <p:nvPr/>
-        </p:nvSpPr>
-        <p:spPr>
-          <a:xfrm>
-            <a:off x="7217765" y="6042721"/>
-            <a:ext cx="4387273" cy="307777"/>
-          </a:xfrm>
-          <a:prstGeom prst="rect">
-            <a:avLst/>
-          </a:prstGeom>
-          <a:noFill/>
-        </p:spPr>
-        <p:txBody>
-          <a:bodyPr wrap="square" rtlCol="0">
-            <a:spAutoFit/>
-          </a:bodyPr>
-          <a:lstStyle/>
-          <a:p>
-            <a:r>
-              <a:rPr lang="en-IN" sz="1400" b="1" i="1" dirty="0">
-                <a:highlight>
-                  <a:srgbClr val="FFFF00"/>
-                </a:highlight>
-              </a:rPr>
-              <a:t>App.view.xml has its own </a:t>
-            </a:r>
-            <a:r>
-              <a:rPr lang="en-IN" sz="1400" b="1" i="1">
-                <a:highlight>
-                  <a:srgbClr val="FFFF00"/>
-                </a:highlight>
-              </a:rPr>
-              <a:t>app controller</a:t>
-            </a:r>
-            <a:endParaRPr lang="en-US" sz="1400" i="1" dirty="0">
-              <a:highlight>
-                <a:srgbClr val="FFFF00"/>
-              </a:highlight>
-            </a:endParaRPr>
-          </a:p>
-        </p:txBody>
-      </p:sp>
     </p:spTree>
     <p:extLst>
       <p:ext uri="{BB962C8B-B14F-4D97-AF65-F5344CB8AC3E}">

--- a/ex_17/Fiori Guideline.pptx
+++ b/ex_17/Fiori Guideline.pptx
@@ -4407,10 +4407,10 @@
         </p:nvGrpSpPr>
         <p:grpSpPr>
           <a:xfrm>
-            <a:off x="406979" y="4959732"/>
-            <a:ext cx="4387273" cy="1363059"/>
-            <a:chOff x="833000" y="8244421"/>
-            <a:chExt cx="4387273" cy="1363059"/>
+            <a:off x="406979" y="5013412"/>
+            <a:ext cx="4387273" cy="1309379"/>
+            <a:chOff x="833000" y="8298101"/>
+            <a:chExt cx="4387273" cy="1309379"/>
           </a:xfrm>
         </p:grpSpPr>
         <p:sp>
@@ -4427,7 +4427,7 @@
           </p:nvSpPr>
           <p:spPr>
             <a:xfrm>
-              <a:off x="1599566" y="8244421"/>
+              <a:off x="1476019" y="8298101"/>
               <a:ext cx="1469790" cy="954107"/>
             </a:xfrm>
             <a:prstGeom prst="rect">
@@ -5159,6 +5159,28 @@
                     </a:rPr>
                     <a:t>manifest.json</a:t>
                   </a:r>
+                  <a:endParaRPr lang="en-IN" sz="1400" b="1" dirty="0">
+                    <a:solidFill>
+                      <a:schemeClr val="tx1">
+                        <a:lumMod val="95000"/>
+                        <a:lumOff val="5000"/>
+                      </a:schemeClr>
+                    </a:solidFill>
+                  </a:endParaRPr>
+                </a:p>
+                <a:p>
+                  <a:pPr algn="ctr"/>
+                  <a:r>
+                    <a:rPr lang="en-IN" sz="1400" b="1" dirty="0">
+                      <a:solidFill>
+                        <a:schemeClr val="tx1">
+                          <a:lumMod val="95000"/>
+                          <a:lumOff val="5000"/>
+                        </a:schemeClr>
+                      </a:solidFill>
+                    </a:rPr>
+                    <a:t>(companion)</a:t>
+                  </a:r>
                   <a:endParaRPr lang="en-US" sz="1400" b="1" dirty="0">
                     <a:solidFill>
                       <a:schemeClr val="tx1">
@@ -5184,8 +5206,8 @@
               </p:nvSpPr>
               <p:spPr>
                 <a:xfrm>
-                  <a:off x="2848262" y="4457701"/>
-                  <a:ext cx="314036" cy="576484"/>
+                  <a:off x="2914069" y="4467979"/>
+                  <a:ext cx="235528" cy="576484"/>
                 </a:xfrm>
                 <a:prstGeom prst="upDownArrow">
                   <a:avLst/>
@@ -6112,7 +6134,7 @@
               <a:avLst/>
             </a:prstGeom>
             <a:solidFill>
-              <a:srgbClr val="FF6E01"/>
+              <a:srgbClr val="01E1FF"/>
             </a:solidFill>
             <a:ln>
               <a:noFill/>
@@ -6140,7 +6162,7 @@
               <a:r>
                 <a:rPr lang="en-IN" sz="1400" b="1" dirty="0" err="1">
                   <a:solidFill>
-                    <a:schemeClr val="bg1"/>
+                    <a:schemeClr val="tx2"/>
                   </a:solidFill>
                 </a:rPr>
                 <a:t>UIComponent</a:t>
@@ -6148,14 +6170,14 @@
               <a:r>
                 <a:rPr lang="en-IN" sz="1400" b="1" dirty="0">
                   <a:solidFill>
-                    <a:schemeClr val="bg1"/>
+                    <a:schemeClr val="tx2"/>
                   </a:solidFill>
                 </a:rPr>
                 <a:t> (parent)</a:t>
               </a:r>
               <a:endParaRPr lang="en-US" sz="1400" b="1" dirty="0">
                 <a:solidFill>
-                  <a:schemeClr val="bg1"/>
+                  <a:schemeClr val="tx2"/>
                 </a:solidFill>
               </a:endParaRPr>
             </a:p>

--- a/ex_17/Fiori Guideline.pptx
+++ b/ex_17/Fiori Guideline.pptx
@@ -5055,7 +5055,7 @@
                   <a:avLst/>
                 </a:prstGeom>
                 <a:solidFill>
-                  <a:srgbClr val="FFC000"/>
+                  <a:srgbClr val="FF6E01"/>
                 </a:solidFill>
                 <a:ln>
                   <a:noFill/>
@@ -5083,20 +5083,14 @@
                   <a:r>
                     <a:rPr lang="en-IN" sz="1400" b="1" dirty="0">
                       <a:solidFill>
-                        <a:schemeClr val="tx1">
-                          <a:lumMod val="95000"/>
-                          <a:lumOff val="5000"/>
-                        </a:schemeClr>
+                        <a:schemeClr val="bg1"/>
                       </a:solidFill>
                     </a:rPr>
                     <a:t>Component.js (child)</a:t>
                   </a:r>
                   <a:endParaRPr lang="en-US" sz="1400" b="1" dirty="0">
                     <a:solidFill>
-                      <a:schemeClr val="tx1">
-                        <a:lumMod val="95000"/>
-                        <a:lumOff val="5000"/>
-                      </a:schemeClr>
+                      <a:schemeClr val="bg1"/>
                     </a:solidFill>
                   </a:endParaRPr>
                 </a:p>
@@ -5116,7 +5110,7 @@
               </p:nvSpPr>
               <p:spPr>
                 <a:xfrm>
-                  <a:off x="2285999" y="4979523"/>
+                  <a:off x="2304529" y="5074821"/>
                   <a:ext cx="1524000" cy="471054"/>
                 </a:xfrm>
                 <a:prstGeom prst="roundRect">
@@ -5206,7 +5200,7 @@
               </p:nvSpPr>
               <p:spPr>
                 <a:xfrm>
-                  <a:off x="2914069" y="4467979"/>
+                  <a:off x="2887516" y="4500653"/>
                   <a:ext cx="235528" cy="576484"/>
                 </a:xfrm>
                 <a:prstGeom prst="upDownArrow">
@@ -5240,7 +5234,7 @@
                 <a:lstStyle/>
                 <a:p>
                   <a:pPr algn="ctr"/>
-                  <a:endParaRPr lang="en-US"/>
+                  <a:endParaRPr lang="en-US" dirty="0"/>
                 </a:p>
               </p:txBody>
             </p:sp>
@@ -6197,7 +6191,7 @@
           </p:nvSpPr>
           <p:spPr>
             <a:xfrm rot="16200000">
-              <a:off x="3121357" y="3818696"/>
+              <a:off x="3112703" y="3790860"/>
               <a:ext cx="447866" cy="235527"/>
             </a:xfrm>
             <a:prstGeom prst="leftArrow">
